--- a/final_pres.pptx
+++ b/final_pres.pptx
@@ -5,16 +5,19 @@
     <p:sldMasterId id="2147483648" r:id="rId1"/>
   </p:sldMasterIdLst>
   <p:notesMasterIdLst>
-    <p:notesMasterId r:id="rId9"/>
+    <p:notesMasterId r:id="rId12"/>
   </p:notesMasterIdLst>
   <p:sldIdLst>
     <p:sldId id="256" r:id="rId2"/>
-    <p:sldId id="257" r:id="rId3"/>
-    <p:sldId id="261" r:id="rId4"/>
-    <p:sldId id="265" r:id="rId5"/>
-    <p:sldId id="264" r:id="rId6"/>
-    <p:sldId id="263" r:id="rId7"/>
-    <p:sldId id="259" r:id="rId8"/>
+    <p:sldId id="261" r:id="rId3"/>
+    <p:sldId id="265" r:id="rId4"/>
+    <p:sldId id="264" r:id="rId5"/>
+    <p:sldId id="268" r:id="rId6"/>
+    <p:sldId id="269" r:id="rId7"/>
+    <p:sldId id="266" r:id="rId8"/>
+    <p:sldId id="270" r:id="rId9"/>
+    <p:sldId id="263" r:id="rId10"/>
+    <p:sldId id="259" r:id="rId11"/>
   </p:sldIdLst>
   <p:sldSz cx="12192000" cy="6858000"/>
   <p:notesSz cx="6858000" cy="9144000"/>
@@ -12346,8 +12349,8 @@
         </c:dLbls>
         <c:gapWidth val="182"/>
         <c:overlap val="-50"/>
-        <c:axId val="2077140320"/>
-        <c:axId val="2077144016"/>
+        <c:axId val="-681022960"/>
+        <c:axId val="-662302112"/>
         <c:extLst xmlns:c16r2="http://schemas.microsoft.com/office/drawing/2015/06/chart">
           <c:ext xmlns:c15="http://schemas.microsoft.com/office/drawing/2012/chart" uri="{02D57815-91ED-43cb-92C2-25804820EDAC}">
             <c15:filteredBarSeries>
@@ -16808,7 +16811,7 @@
                         <c:v>2.314999999999999</c:v>
                       </c:pt>
                       <c:pt idx="463">
-                        <c:v>2.319999999999999</c:v>
+                        <c:v>2.319999999999998</c:v>
                       </c:pt>
                       <c:pt idx="464">
                         <c:v>2.325</c:v>
@@ -17819,19 +17822,19 @@
                         <c:v>4.0</c:v>
                       </c:pt>
                       <c:pt idx="800">
-                        <c:v>4.004999999999999</c:v>
+                        <c:v>4.004999999999996</c:v>
                       </c:pt>
                       <c:pt idx="801">
                         <c:v>4.01</c:v>
                       </c:pt>
                       <c:pt idx="802">
-                        <c:v>4.014999999999999</c:v>
+                        <c:v>4.014999999999996</c:v>
                       </c:pt>
                       <c:pt idx="803">
                         <c:v>4.02</c:v>
                       </c:pt>
                       <c:pt idx="804">
-                        <c:v>4.024999999999999</c:v>
+                        <c:v>4.024999999999996</c:v>
                       </c:pt>
                       <c:pt idx="805">
                         <c:v>4.03</c:v>
@@ -17843,19 +17846,19 @@
                         <c:v>4.04</c:v>
                       </c:pt>
                       <c:pt idx="808">
-                        <c:v>4.044999999999999</c:v>
+                        <c:v>4.044999999999996</c:v>
                       </c:pt>
                       <c:pt idx="809">
                         <c:v>4.05</c:v>
                       </c:pt>
                       <c:pt idx="810">
-                        <c:v>4.054999999999999</c:v>
+                        <c:v>4.054999999999996</c:v>
                       </c:pt>
                       <c:pt idx="811">
                         <c:v>4.06</c:v>
                       </c:pt>
                       <c:pt idx="812">
-                        <c:v>4.064999999999999</c:v>
+                        <c:v>4.064999999999996</c:v>
                       </c:pt>
                       <c:pt idx="813">
                         <c:v>4.07</c:v>
@@ -17873,7 +17876,7 @@
                         <c:v>4.09</c:v>
                       </c:pt>
                       <c:pt idx="818">
-                        <c:v>4.094999999999999</c:v>
+                        <c:v>4.094999999999996</c:v>
                       </c:pt>
                       <c:pt idx="819">
                         <c:v>4.1</c:v>
@@ -17885,55 +17888,55 @@
                         <c:v>4.109999999999999</c:v>
                       </c:pt>
                       <c:pt idx="822">
-                        <c:v>4.114999999999999</c:v>
+                        <c:v>4.114999999999996</c:v>
                       </c:pt>
                       <c:pt idx="823">
-                        <c:v>4.119999999999999</c:v>
+                        <c:v>4.119999999999997</c:v>
                       </c:pt>
                       <c:pt idx="824">
-                        <c:v>4.124999999999999</c:v>
+                        <c:v>4.124999999999995</c:v>
                       </c:pt>
                       <c:pt idx="825">
                         <c:v>4.13</c:v>
                       </c:pt>
                       <c:pt idx="826">
-                        <c:v>4.134999999999999</c:v>
+                        <c:v>4.134999999999996</c:v>
                       </c:pt>
                       <c:pt idx="827">
                         <c:v>4.14</c:v>
                       </c:pt>
                       <c:pt idx="828">
-                        <c:v>4.144999999999999</c:v>
+                        <c:v>4.144999999999996</c:v>
                       </c:pt>
                       <c:pt idx="829">
                         <c:v>4.149999999999999</c:v>
                       </c:pt>
                       <c:pt idx="830">
-                        <c:v>4.154999999999999</c:v>
+                        <c:v>4.154999999999996</c:v>
                       </c:pt>
                       <c:pt idx="831">
-                        <c:v>4.159999999999999</c:v>
+                        <c:v>4.159999999999997</c:v>
                       </c:pt>
                       <c:pt idx="832">
-                        <c:v>4.164999999999999</c:v>
+                        <c:v>4.164999999999995</c:v>
                       </c:pt>
                       <c:pt idx="833">
                         <c:v>4.17</c:v>
                       </c:pt>
                       <c:pt idx="834">
-                        <c:v>4.174999999999999</c:v>
+                        <c:v>4.174999999999996</c:v>
                       </c:pt>
                       <c:pt idx="835">
                         <c:v>4.18</c:v>
                       </c:pt>
                       <c:pt idx="836">
-                        <c:v>4.184999999999999</c:v>
+                        <c:v>4.184999999999996</c:v>
                       </c:pt>
                       <c:pt idx="837">
                         <c:v>4.189999999999999</c:v>
                       </c:pt>
                       <c:pt idx="838">
-                        <c:v>4.194999999999999</c:v>
+                        <c:v>4.194999999999996</c:v>
                       </c:pt>
                       <c:pt idx="839">
                         <c:v>4.2</c:v>
@@ -17945,13 +17948,13 @@
                         <c:v>4.21</c:v>
                       </c:pt>
                       <c:pt idx="842">
-                        <c:v>4.214999999999999</c:v>
+                        <c:v>4.214999999999996</c:v>
                       </c:pt>
                       <c:pt idx="843">
                         <c:v>4.22</c:v>
                       </c:pt>
                       <c:pt idx="844">
-                        <c:v>4.224999999999999</c:v>
+                        <c:v>4.224999999999996</c:v>
                       </c:pt>
                       <c:pt idx="845">
                         <c:v>4.23</c:v>
@@ -17969,13 +17972,13 @@
                         <c:v>4.25</c:v>
                       </c:pt>
                       <c:pt idx="850">
-                        <c:v>4.254999999999999</c:v>
+                        <c:v>4.254999999999996</c:v>
                       </c:pt>
                       <c:pt idx="851">
                         <c:v>4.26</c:v>
                       </c:pt>
                       <c:pt idx="852">
-                        <c:v>4.264999999999999</c:v>
+                        <c:v>4.264999999999996</c:v>
                       </c:pt>
                       <c:pt idx="853">
                         <c:v>4.27</c:v>
@@ -17993,25 +17996,25 @@
                         <c:v>4.29</c:v>
                       </c:pt>
                       <c:pt idx="858">
-                        <c:v>4.294999999999999</c:v>
+                        <c:v>4.294999999999996</c:v>
                       </c:pt>
                       <c:pt idx="859">
                         <c:v>4.3</c:v>
                       </c:pt>
                       <c:pt idx="860">
-                        <c:v>4.304999999999999</c:v>
+                        <c:v>4.304999999999996</c:v>
                       </c:pt>
                       <c:pt idx="861">
                         <c:v>4.31</c:v>
                       </c:pt>
                       <c:pt idx="862">
-                        <c:v>4.314999999999999</c:v>
+                        <c:v>4.314999999999996</c:v>
                       </c:pt>
                       <c:pt idx="863">
-                        <c:v>4.319999999999999</c:v>
+                        <c:v>4.319999999999998</c:v>
                       </c:pt>
                       <c:pt idx="864">
-                        <c:v>4.324999999999999</c:v>
+                        <c:v>4.324999999999995</c:v>
                       </c:pt>
                       <c:pt idx="865">
                         <c:v>4.33</c:v>
@@ -18023,19 +18026,19 @@
                         <c:v>4.34</c:v>
                       </c:pt>
                       <c:pt idx="868">
-                        <c:v>4.344999999999999</c:v>
+                        <c:v>4.344999999999996</c:v>
                       </c:pt>
                       <c:pt idx="869">
                         <c:v>4.35</c:v>
                       </c:pt>
                       <c:pt idx="870">
-                        <c:v>4.354999999999999</c:v>
+                        <c:v>4.354999999999996</c:v>
                       </c:pt>
                       <c:pt idx="871">
-                        <c:v>4.359999999999999</c:v>
+                        <c:v>4.359999999999998</c:v>
                       </c:pt>
                       <c:pt idx="872">
-                        <c:v>4.364999999999999</c:v>
+                        <c:v>4.364999999999995</c:v>
                       </c:pt>
                       <c:pt idx="873">
                         <c:v>4.37</c:v>
@@ -18047,13 +18050,13 @@
                         <c:v>4.38</c:v>
                       </c:pt>
                       <c:pt idx="876">
-                        <c:v>4.384999999999999</c:v>
+                        <c:v>4.384999999999996</c:v>
                       </c:pt>
                       <c:pt idx="877">
                         <c:v>4.39</c:v>
                       </c:pt>
                       <c:pt idx="878">
-                        <c:v>4.394999999999999</c:v>
+                        <c:v>4.394999999999996</c:v>
                       </c:pt>
                       <c:pt idx="879">
                         <c:v>4.4</c:v>
@@ -18071,7 +18074,7 @@
                         <c:v>4.42</c:v>
                       </c:pt>
                       <c:pt idx="884">
-                        <c:v>4.424999999999999</c:v>
+                        <c:v>4.424999999999996</c:v>
                       </c:pt>
                       <c:pt idx="885">
                         <c:v>4.43</c:v>
@@ -18095,7 +18098,7 @@
                         <c:v>4.46</c:v>
                       </c:pt>
                       <c:pt idx="892">
-                        <c:v>4.464999999999999</c:v>
+                        <c:v>4.464999999999996</c:v>
                       </c:pt>
                       <c:pt idx="893">
                         <c:v>4.47</c:v>
@@ -18119,19 +18122,19 @@
                         <c:v>4.5</c:v>
                       </c:pt>
                       <c:pt idx="900">
-                        <c:v>4.504999999999999</c:v>
+                        <c:v>4.504999999999996</c:v>
                       </c:pt>
                       <c:pt idx="901">
                         <c:v>4.51</c:v>
                       </c:pt>
                       <c:pt idx="902">
-                        <c:v>4.514999999999999</c:v>
+                        <c:v>4.514999999999996</c:v>
                       </c:pt>
                       <c:pt idx="903">
                         <c:v>4.52</c:v>
                       </c:pt>
                       <c:pt idx="904">
-                        <c:v>4.524999999999999</c:v>
+                        <c:v>4.524999999999996</c:v>
                       </c:pt>
                       <c:pt idx="905">
                         <c:v>4.53</c:v>
@@ -18143,19 +18146,19 @@
                         <c:v>4.54</c:v>
                       </c:pt>
                       <c:pt idx="908">
-                        <c:v>4.544999999999999</c:v>
+                        <c:v>4.544999999999996</c:v>
                       </c:pt>
                       <c:pt idx="909">
                         <c:v>4.55</c:v>
                       </c:pt>
                       <c:pt idx="910">
-                        <c:v>4.554999999999999</c:v>
+                        <c:v>4.554999999999996</c:v>
                       </c:pt>
                       <c:pt idx="911">
                         <c:v>4.56</c:v>
                       </c:pt>
                       <c:pt idx="912">
-                        <c:v>4.564999999999999</c:v>
+                        <c:v>4.564999999999996</c:v>
                       </c:pt>
                       <c:pt idx="913">
                         <c:v>4.57</c:v>
@@ -18173,67 +18176,67 @@
                         <c:v>4.59</c:v>
                       </c:pt>
                       <c:pt idx="918">
-                        <c:v>4.594999999999999</c:v>
+                        <c:v>4.594999999999996</c:v>
                       </c:pt>
                       <c:pt idx="919">
                         <c:v>4.6</c:v>
                       </c:pt>
                       <c:pt idx="920">
-                        <c:v>4.604999999999999</c:v>
+                        <c:v>4.604999999999996</c:v>
                       </c:pt>
                       <c:pt idx="921">
-                        <c:v>4.609999999999999</c:v>
+                        <c:v>4.609999999999998</c:v>
                       </c:pt>
                       <c:pt idx="922">
-                        <c:v>4.614999999999999</c:v>
+                        <c:v>4.614999999999995</c:v>
                       </c:pt>
                       <c:pt idx="923">
-                        <c:v>4.619999999999999</c:v>
+                        <c:v>4.619999999999996</c:v>
                       </c:pt>
                       <c:pt idx="924">
-                        <c:v>4.624999999999999</c:v>
+                        <c:v>4.624999999999994</c:v>
                       </c:pt>
                       <c:pt idx="925">
                         <c:v>4.63</c:v>
                       </c:pt>
                       <c:pt idx="926">
-                        <c:v>4.634999999999999</c:v>
+                        <c:v>4.634999999999996</c:v>
                       </c:pt>
                       <c:pt idx="927">
                         <c:v>4.64</c:v>
                       </c:pt>
                       <c:pt idx="928">
-                        <c:v>4.644999999999998</c:v>
+                        <c:v>4.644999999999995</c:v>
                       </c:pt>
                       <c:pt idx="929">
-                        <c:v>4.649999999999999</c:v>
+                        <c:v>4.649999999999998</c:v>
                       </c:pt>
                       <c:pt idx="930">
-                        <c:v>4.654999999999999</c:v>
+                        <c:v>4.654999999999995</c:v>
                       </c:pt>
                       <c:pt idx="931">
-                        <c:v>4.659999999999999</c:v>
+                        <c:v>4.659999999999996</c:v>
                       </c:pt>
                       <c:pt idx="932">
-                        <c:v>4.664999999999999</c:v>
+                        <c:v>4.664999999999994</c:v>
                       </c:pt>
                       <c:pt idx="933">
                         <c:v>4.67</c:v>
                       </c:pt>
                       <c:pt idx="934">
-                        <c:v>4.674999999999999</c:v>
+                        <c:v>4.674999999999996</c:v>
                       </c:pt>
                       <c:pt idx="935">
                         <c:v>4.68</c:v>
                       </c:pt>
                       <c:pt idx="936">
-                        <c:v>4.684999999999999</c:v>
+                        <c:v>4.684999999999996</c:v>
                       </c:pt>
                       <c:pt idx="937">
                         <c:v>4.689999999999999</c:v>
                       </c:pt>
                       <c:pt idx="938">
-                        <c:v>4.694999999999999</c:v>
+                        <c:v>4.694999999999996</c:v>
                       </c:pt>
                       <c:pt idx="939">
                         <c:v>4.7</c:v>
@@ -18245,13 +18248,13 @@
                         <c:v>4.71</c:v>
                       </c:pt>
                       <c:pt idx="942">
-                        <c:v>4.714999999999999</c:v>
+                        <c:v>4.714999999999996</c:v>
                       </c:pt>
                       <c:pt idx="943">
                         <c:v>4.72</c:v>
                       </c:pt>
                       <c:pt idx="944">
-                        <c:v>4.724999999999999</c:v>
+                        <c:v>4.724999999999996</c:v>
                       </c:pt>
                       <c:pt idx="945">
                         <c:v>4.73</c:v>
@@ -18269,13 +18272,13 @@
                         <c:v>4.75</c:v>
                       </c:pt>
                       <c:pt idx="950">
-                        <c:v>4.754999999999999</c:v>
+                        <c:v>4.754999999999996</c:v>
                       </c:pt>
                       <c:pt idx="951">
                         <c:v>4.76</c:v>
                       </c:pt>
                       <c:pt idx="952">
-                        <c:v>4.764999999999999</c:v>
+                        <c:v>4.764999999999996</c:v>
                       </c:pt>
                       <c:pt idx="953">
                         <c:v>4.769999999999999</c:v>
@@ -18293,25 +18296,25 @@
                         <c:v>4.79</c:v>
                       </c:pt>
                       <c:pt idx="958">
-                        <c:v>4.794999999999999</c:v>
+                        <c:v>4.794999999999996</c:v>
                       </c:pt>
                       <c:pt idx="959">
                         <c:v>4.8</c:v>
                       </c:pt>
                       <c:pt idx="960">
-                        <c:v>4.804999999999999</c:v>
+                        <c:v>4.804999999999996</c:v>
                       </c:pt>
                       <c:pt idx="961">
                         <c:v>4.81</c:v>
                       </c:pt>
                       <c:pt idx="962">
-                        <c:v>4.814999999999999</c:v>
+                        <c:v>4.814999999999996</c:v>
                       </c:pt>
                       <c:pt idx="963">
-                        <c:v>4.819999999999999</c:v>
+                        <c:v>4.819999999999998</c:v>
                       </c:pt>
                       <c:pt idx="964">
-                        <c:v>4.824999999999999</c:v>
+                        <c:v>4.824999999999995</c:v>
                       </c:pt>
                       <c:pt idx="965">
                         <c:v>4.83</c:v>
@@ -18323,19 +18326,19 @@
                         <c:v>4.84</c:v>
                       </c:pt>
                       <c:pt idx="968">
-                        <c:v>4.844999999999999</c:v>
+                        <c:v>4.844999999999996</c:v>
                       </c:pt>
                       <c:pt idx="969">
                         <c:v>4.85</c:v>
                       </c:pt>
                       <c:pt idx="970">
-                        <c:v>4.854999999999999</c:v>
+                        <c:v>4.854999999999996</c:v>
                       </c:pt>
                       <c:pt idx="971">
-                        <c:v>4.859999999999999</c:v>
+                        <c:v>4.859999999999998</c:v>
                       </c:pt>
                       <c:pt idx="972">
-                        <c:v>4.864999999999999</c:v>
+                        <c:v>4.864999999999995</c:v>
                       </c:pt>
                       <c:pt idx="973">
                         <c:v>4.87</c:v>
@@ -18347,13 +18350,13 @@
                         <c:v>4.88</c:v>
                       </c:pt>
                       <c:pt idx="976">
-                        <c:v>4.884999999999999</c:v>
+                        <c:v>4.884999999999996</c:v>
                       </c:pt>
                       <c:pt idx="977">
                         <c:v>4.89</c:v>
                       </c:pt>
                       <c:pt idx="978">
-                        <c:v>4.894999999999999</c:v>
+                        <c:v>4.894999999999996</c:v>
                       </c:pt>
                       <c:pt idx="979">
                         <c:v>4.9</c:v>
@@ -18371,7 +18374,7 @@
                         <c:v>4.92</c:v>
                       </c:pt>
                       <c:pt idx="984">
-                        <c:v>4.924999999999999</c:v>
+                        <c:v>4.924999999999996</c:v>
                       </c:pt>
                       <c:pt idx="985">
                         <c:v>4.93</c:v>
@@ -18395,7 +18398,7 @@
                         <c:v>4.96</c:v>
                       </c:pt>
                       <c:pt idx="992">
-                        <c:v>4.964999999999999</c:v>
+                        <c:v>4.964999999999996</c:v>
                       </c:pt>
                       <c:pt idx="993">
                         <c:v>4.97</c:v>
@@ -18432,7 +18435,7 @@
         </c:extLst>
       </c:barChart>
       <c:catAx>
-        <c:axId val="2077140320"/>
+        <c:axId val="-681022960"/>
         <c:scaling>
           <c:orientation val="minMax"/>
         </c:scaling>
@@ -18547,7 +18550,7 @@
             <a:endParaRPr lang="en-US"/>
           </a:p>
         </c:txPr>
-        <c:crossAx val="2077144016"/>
+        <c:crossAx val="-662302112"/>
         <c:crosses val="autoZero"/>
         <c:auto val="1"/>
         <c:lblAlgn val="ctr"/>
@@ -18555,7 +18558,7 @@
         <c:noMultiLvlLbl val="0"/>
       </c:catAx>
       <c:valAx>
-        <c:axId val="2077144016"/>
+        <c:axId val="-662302112"/>
         <c:scaling>
           <c:orientation val="maxMin"/>
         </c:scaling>
@@ -18670,7 +18673,7 @@
             <a:endParaRPr lang="en-US"/>
           </a:p>
         </c:txPr>
-        <c:crossAx val="2077140320"/>
+        <c:crossAx val="-681022960"/>
         <c:crosses val="autoZero"/>
         <c:crossBetween val="between"/>
       </c:valAx>
@@ -19733,102 +19736,6 @@
           <a:p>
             <a:r>
               <a:rPr lang="he-IL" dirty="0"/>
-              <a:t>כל זה כבר מופיע אח"כ. </a:t>
-            </a:r>
-            <a:r>
-              <a:rPr lang="he-IL"/>
-              <a:t>לדעתי עדיף </a:t>
-            </a:r>
-            <a:r>
-              <a:rPr lang="he-IL" dirty="0"/>
-              <a:t>להוריד את זה מפה ולהשאיר את השקף המאוחר יותר. </a:t>
-            </a:r>
-            <a:endParaRPr lang="en-US" dirty="0"/>
-          </a:p>
-        </p:txBody>
-      </p:sp>
-      <p:sp>
-        <p:nvSpPr>
-          <p:cNvPr id="4" name="Slide Number Placeholder 3"/>
-          <p:cNvSpPr>
-            <a:spLocks noGrp="1"/>
-          </p:cNvSpPr>
-          <p:nvPr>
-            <p:ph type="sldNum" sz="quarter" idx="10"/>
-          </p:nvPr>
-        </p:nvSpPr>
-        <p:spPr/>
-        <p:txBody>
-          <a:bodyPr/>
-          <a:lstStyle/>
-          <a:p>
-            <a:fld id="{3A4A7481-02F3-4244-AAA8-D47919D19AB1}" type="slidenum">
-              <a:rPr lang="en-US" smtClean="0"/>
-              <a:t>2</a:t>
-            </a:fld>
-            <a:endParaRPr lang="en-US"/>
-          </a:p>
-        </p:txBody>
-      </p:sp>
-    </p:spTree>
-    <p:extLst>
-      <p:ext uri="{BB962C8B-B14F-4D97-AF65-F5344CB8AC3E}">
-        <p14:creationId xmlns:p14="http://schemas.microsoft.com/office/powerpoint/2010/main" val="653154228"/>
-      </p:ext>
-    </p:extLst>
-  </p:cSld>
-  <p:clrMapOvr>
-    <a:masterClrMapping/>
-  </p:clrMapOvr>
-</p:notes>
-</file>
-
-<file path=ppt/notesSlides/notesSlide2.xml><?xml version="1.0" encoding="utf-8"?>
-<p:notes xmlns:a="http://schemas.openxmlformats.org/drawingml/2006/main" xmlns:r="http://schemas.openxmlformats.org/officeDocument/2006/relationships" xmlns:p="http://schemas.openxmlformats.org/presentationml/2006/main">
-  <p:cSld>
-    <p:spTree>
-      <p:nvGrpSpPr>
-        <p:cNvPr id="1" name=""/>
-        <p:cNvGrpSpPr/>
-        <p:nvPr/>
-      </p:nvGrpSpPr>
-      <p:grpSpPr>
-        <a:xfrm>
-          <a:off x="0" y="0"/>
-          <a:ext cx="0" cy="0"/>
-          <a:chOff x="0" y="0"/>
-          <a:chExt cx="0" cy="0"/>
-        </a:xfrm>
-      </p:grpSpPr>
-      <p:sp>
-        <p:nvSpPr>
-          <p:cNvPr id="2" name="Slide Image Placeholder 1"/>
-          <p:cNvSpPr>
-            <a:spLocks noGrp="1" noRot="1" noChangeAspect="1"/>
-          </p:cNvSpPr>
-          <p:nvPr>
-            <p:ph type="sldImg"/>
-          </p:nvPr>
-        </p:nvSpPr>
-        <p:spPr/>
-      </p:sp>
-      <p:sp>
-        <p:nvSpPr>
-          <p:cNvPr id="3" name="Notes Placeholder 2"/>
-          <p:cNvSpPr>
-            <a:spLocks noGrp="1"/>
-          </p:cNvSpPr>
-          <p:nvPr>
-            <p:ph type="body" idx="1"/>
-          </p:nvPr>
-        </p:nvSpPr>
-        <p:spPr/>
-        <p:txBody>
-          <a:bodyPr/>
-          <a:lstStyle/>
-          <a:p>
-            <a:r>
-              <a:rPr lang="he-IL" dirty="0"/>
               <a:t>אם אין לנו משהו חכם </a:t>
             </a:r>
             <a:r>
@@ -19871,7 +19778,7 @@
           <a:p>
             <a:fld id="{3A4A7481-02F3-4244-AAA8-D47919D19AB1}" type="slidenum">
               <a:rPr lang="en-US" smtClean="0"/>
-              <a:t>5</a:t>
+              <a:t>4</a:t>
             </a:fld>
             <a:endParaRPr lang="en-US"/>
           </a:p>
@@ -19890,7 +19797,7 @@
 </p:notes>
 </file>
 
-<file path=ppt/notesSlides/notesSlide3.xml><?xml version="1.0" encoding="utf-8"?>
+<file path=ppt/notesSlides/notesSlide2.xml><?xml version="1.0" encoding="utf-8"?>
 <p:notes xmlns:a="http://schemas.openxmlformats.org/drawingml/2006/main" xmlns:r="http://schemas.openxmlformats.org/officeDocument/2006/relationships" xmlns:p="http://schemas.openxmlformats.org/presentationml/2006/main">
   <p:cSld>
     <p:spTree>
@@ -19959,7 +19866,91 @@
           <a:p>
             <a:fld id="{3A4A7481-02F3-4244-AAA8-D47919D19AB1}" type="slidenum">
               <a:rPr lang="en-US" smtClean="0"/>
-              <a:t>6</a:t>
+              <a:t>8</a:t>
+            </a:fld>
+            <a:endParaRPr lang="en-US"/>
+          </a:p>
+        </p:txBody>
+      </p:sp>
+    </p:spTree>
+    <p:extLst>
+      <p:ext uri="{BB962C8B-B14F-4D97-AF65-F5344CB8AC3E}">
+        <p14:creationId xmlns:p14="http://schemas.microsoft.com/office/powerpoint/2010/main" val="394028033"/>
+      </p:ext>
+    </p:extLst>
+  </p:cSld>
+  <p:clrMapOvr>
+    <a:masterClrMapping/>
+  </p:clrMapOvr>
+</p:notes>
+</file>
+
+<file path=ppt/notesSlides/notesSlide3.xml><?xml version="1.0" encoding="utf-8"?>
+<p:notes xmlns:a="http://schemas.openxmlformats.org/drawingml/2006/main" xmlns:r="http://schemas.openxmlformats.org/officeDocument/2006/relationships" xmlns:p="http://schemas.openxmlformats.org/presentationml/2006/main">
+  <p:cSld>
+    <p:spTree>
+      <p:nvGrpSpPr>
+        <p:cNvPr id="1" name=""/>
+        <p:cNvGrpSpPr/>
+        <p:nvPr/>
+      </p:nvGrpSpPr>
+      <p:grpSpPr>
+        <a:xfrm>
+          <a:off x="0" y="0"/>
+          <a:ext cx="0" cy="0"/>
+          <a:chOff x="0" y="0"/>
+          <a:chExt cx="0" cy="0"/>
+        </a:xfrm>
+      </p:grpSpPr>
+      <p:sp>
+        <p:nvSpPr>
+          <p:cNvPr id="2" name="Slide Image Placeholder 1"/>
+          <p:cNvSpPr>
+            <a:spLocks noGrp="1" noRot="1" noChangeAspect="1"/>
+          </p:cNvSpPr>
+          <p:nvPr>
+            <p:ph type="sldImg"/>
+          </p:nvPr>
+        </p:nvSpPr>
+        <p:spPr/>
+      </p:sp>
+      <p:sp>
+        <p:nvSpPr>
+          <p:cNvPr id="3" name="Notes Placeholder 2"/>
+          <p:cNvSpPr>
+            <a:spLocks noGrp="1"/>
+          </p:cNvSpPr>
+          <p:nvPr>
+            <p:ph type="body" idx="1"/>
+          </p:nvPr>
+        </p:nvSpPr>
+        <p:spPr/>
+        <p:txBody>
+          <a:bodyPr/>
+          <a:lstStyle/>
+          <a:p>
+            <a:endParaRPr lang="en-US" dirty="0"/>
+          </a:p>
+        </p:txBody>
+      </p:sp>
+      <p:sp>
+        <p:nvSpPr>
+          <p:cNvPr id="4" name="Slide Number Placeholder 3"/>
+          <p:cNvSpPr>
+            <a:spLocks noGrp="1"/>
+          </p:cNvSpPr>
+          <p:nvPr>
+            <p:ph type="sldNum" sz="quarter" idx="10"/>
+          </p:nvPr>
+        </p:nvSpPr>
+        <p:spPr/>
+        <p:txBody>
+          <a:bodyPr/>
+          <a:lstStyle/>
+          <a:p>
+            <a:fld id="{3A4A7481-02F3-4244-AAA8-D47919D19AB1}" type="slidenum">
+              <a:rPr lang="en-US" smtClean="0"/>
+              <a:t>9</a:t>
             </a:fld>
             <a:endParaRPr lang="en-US"/>
           </a:p>
@@ -22864,66 +22855,18 @@
       </p:sp>
       <p:pic>
         <p:nvPicPr>
-          <p:cNvPr id="4" name="Picture 3"/>
+          <p:cNvPr id="7" name="Picture 6"/>
           <p:cNvPicPr>
             <a:picLocks noChangeAspect="1"/>
           </p:cNvPicPr>
           <p:nvPr/>
         </p:nvPicPr>
         <p:blipFill>
-          <a:blip r:embed="rId2"/>
-          <a:stretch>
-            <a:fillRect/>
-          </a:stretch>
-        </p:blipFill>
-        <p:spPr>
-          <a:xfrm>
-            <a:off x="0" y="0"/>
-            <a:ext cx="12192000" cy="6858000"/>
-          </a:xfrm>
-          <a:prstGeom prst="rect">
-            <a:avLst/>
-          </a:prstGeom>
-        </p:spPr>
-      </p:pic>
-      <p:pic>
-        <p:nvPicPr>
-          <p:cNvPr id="5" name="Picture 4"/>
-          <p:cNvPicPr>
-            <a:picLocks noChangeAspect="1"/>
-          </p:cNvPicPr>
-          <p:nvPr/>
-        </p:nvPicPr>
-        <p:blipFill>
-          <a:blip r:embed="rId3"/>
-          <a:stretch>
-            <a:fillRect/>
-          </a:stretch>
-        </p:blipFill>
-        <p:spPr>
-          <a:xfrm>
-            <a:off x="0" y="0"/>
-            <a:ext cx="12192000" cy="6858000"/>
-          </a:xfrm>
-          <a:prstGeom prst="rect">
-            <a:avLst/>
-          </a:prstGeom>
-        </p:spPr>
-      </p:pic>
-      <p:pic>
-        <p:nvPicPr>
-          <p:cNvPr id="6" name="Picture 5"/>
-          <p:cNvPicPr>
-            <a:picLocks noChangeAspect="1"/>
-          </p:cNvPicPr>
-          <p:nvPr/>
-        </p:nvPicPr>
-        <p:blipFill>
-          <a:blip r:embed="rId4">
+          <a:blip r:embed="rId2">
             <a:extLst>
               <a:ext uri="{BEBA8EAE-BF5A-486C-A8C5-ECC9F3942E4B}">
                 <a14:imgProps xmlns:a14="http://schemas.microsoft.com/office/drawing/2010/main">
-                  <a14:imgLayer r:embed="rId5">
+                  <a14:imgLayer r:embed="rId3">
                     <a14:imgEffect>
                       <a14:backgroundRemoval t="10000" b="90000" l="10000" r="90000"/>
                     </a14:imgEffect>
@@ -22941,7 +22884,7 @@
         </p:blipFill>
         <p:spPr>
           <a:xfrm>
-            <a:off x="4477662" y="1122363"/>
+            <a:off x="5064777" y="1122363"/>
             <a:ext cx="7581900" cy="6108700"/>
           </a:xfrm>
           <a:prstGeom prst="rect">
@@ -22959,10 +22902,17 @@
   <p:clrMapOvr>
     <a:masterClrMapping/>
   </p:clrMapOvr>
+  <p:timing>
+    <p:tnLst>
+      <p:par>
+        <p:cTn id="1" dur="indefinite" restart="never" nodeType="tmRoot"/>
+      </p:par>
+    </p:tnLst>
+  </p:timing>
 </p:sld>
 </file>
 
-<file path=ppt/slides/slide2.xml><?xml version="1.0" encoding="utf-8"?>
+<file path=ppt/slides/slide10.xml><?xml version="1.0" encoding="utf-8"?>
 <p:sld xmlns:a="http://schemas.openxmlformats.org/drawingml/2006/main" xmlns:r="http://schemas.openxmlformats.org/officeDocument/2006/relationships" xmlns:p="http://schemas.openxmlformats.org/presentationml/2006/main">
   <p:cSld>
     <p:spTree>
@@ -22996,7 +22946,7 @@
           <a:p>
             <a:r>
               <a:rPr lang="en-US" dirty="0"/>
-              <a:t>Models tested</a:t>
+              <a:t>Results</a:t>
             </a:r>
           </a:p>
         </p:txBody>
@@ -23016,44 +22966,68 @@
           <a:bodyPr/>
           <a:lstStyle/>
           <a:p>
+            <a:pPr marL="0" indent="0">
+              <a:buNone/>
+            </a:pPr>
             <a:r>
               <a:rPr lang="en-US" dirty="0"/>
-              <a:t>Random forest</a:t>
+              <a:t>Root Mean Squared</a:t>
+            </a:r>
+            <a:r>
+              <a:rPr lang="he-IL" dirty="0"/>
+              <a:t> </a:t>
+            </a:r>
+            <a:r>
+              <a:rPr lang="en-US" dirty="0"/>
+              <a:t>Log Error = </a:t>
+            </a:r>
+            <a:r>
+              <a:rPr lang="en-US" b="1" dirty="0"/>
+              <a:t>0.482</a:t>
             </a:r>
           </a:p>
           <a:p>
-            <a:r>
-              <a:rPr lang="en-US" dirty="0"/>
-              <a:t>Gradient boosting</a:t>
-            </a:r>
-          </a:p>
-          <a:p>
-            <a:r>
-              <a:rPr lang="en-US" dirty="0"/>
-              <a:t>XG boost</a:t>
-            </a:r>
-          </a:p>
-          <a:p>
-            <a:r>
-              <a:rPr lang="en-US" dirty="0"/>
-              <a:t>Neural Network</a:t>
-            </a:r>
-          </a:p>
-          <a:p>
-            <a:r>
-              <a:rPr lang="en-US" dirty="0"/>
-              <a:t>Weighted average per weekday</a:t>
-            </a:r>
+            <a:endParaRPr lang="en-US" dirty="0"/>
           </a:p>
           <a:p>
             <a:endParaRPr lang="en-US" dirty="0"/>
           </a:p>
         </p:txBody>
       </p:sp>
+      <p:pic>
+        <p:nvPicPr>
+          <p:cNvPr id="5" name="Picture 4"/>
+          <p:cNvPicPr>
+            <a:picLocks noChangeAspect="1"/>
+          </p:cNvPicPr>
+          <p:nvPr/>
+        </p:nvPicPr>
+        <p:blipFill>
+          <a:blip r:embed="rId2">
+            <a:extLst>
+              <a:ext uri="{28A0092B-C50C-407E-A947-70E740481C1C}">
+                <a14:useLocalDpi xmlns:a14="http://schemas.microsoft.com/office/drawing/2010/main" val="0"/>
+              </a:ext>
+            </a:extLst>
+          </a:blip>
+          <a:stretch>
+            <a:fillRect/>
+          </a:stretch>
+        </p:blipFill>
+        <p:spPr>
+          <a:xfrm>
+            <a:off x="7144356" y="365125"/>
+            <a:ext cx="4658659" cy="8267479"/>
+          </a:xfrm>
+          <a:prstGeom prst="rect">
+            <a:avLst/>
+          </a:prstGeom>
+        </p:spPr>
+      </p:pic>
     </p:spTree>
     <p:extLst>
       <p:ext uri="{BB962C8B-B14F-4D97-AF65-F5344CB8AC3E}">
-        <p14:creationId xmlns:p14="http://schemas.microsoft.com/office/powerpoint/2010/main" val="1365032824"/>
+        <p14:creationId xmlns:p14="http://schemas.microsoft.com/office/powerpoint/2010/main" val="2104248046"/>
       </p:ext>
     </p:extLst>
   </p:cSld>
@@ -23063,7 +23037,7 @@
 </p:sld>
 </file>
 
-<file path=ppt/slides/slide3.xml><?xml version="1.0" encoding="utf-8"?>
+<file path=ppt/slides/slide2.xml><?xml version="1.0" encoding="utf-8"?>
 <p:sld xmlns:a="http://schemas.openxmlformats.org/drawingml/2006/main" xmlns:r="http://schemas.openxmlformats.org/officeDocument/2006/relationships" xmlns:p="http://schemas.openxmlformats.org/presentationml/2006/main">
   <p:cSld>
     <p:spTree>
@@ -23268,10 +23242,17 @@
   <p:clrMapOvr>
     <a:masterClrMapping/>
   </p:clrMapOvr>
+  <p:timing>
+    <p:tnLst>
+      <p:par>
+        <p:cTn id="1" dur="indefinite" restart="never" nodeType="tmRoot"/>
+      </p:par>
+    </p:tnLst>
+  </p:timing>
 </p:sld>
 </file>
 
-<file path=ppt/slides/slide4.xml><?xml version="1.0" encoding="utf-8"?>
+<file path=ppt/slides/slide3.xml><?xml version="1.0" encoding="utf-8"?>
 <p:sld xmlns:a="http://schemas.openxmlformats.org/drawingml/2006/main" xmlns:r="http://schemas.openxmlformats.org/officeDocument/2006/relationships" xmlns:p="http://schemas.openxmlformats.org/presentationml/2006/main">
   <p:cSld>
     <p:spTree>
@@ -23338,14 +23319,14 @@
           <p:nvPr>
             <p:extLst>
               <p:ext uri="{D42A27DB-BD31-4B8C-83A1-F6EECF244321}">
-                <p14:modId xmlns:p14="http://schemas.microsoft.com/office/powerpoint/2010/main" val="410600083"/>
+                <p14:modId xmlns:p14="http://schemas.microsoft.com/office/powerpoint/2010/main" val="1647703633"/>
               </p:ext>
             </p:extLst>
           </p:nvPr>
         </p:nvGraphicFramePr>
         <p:xfrm>
-          <a:off x="2444610" y="2014537"/>
-          <a:ext cx="6926262" cy="4843463"/>
+          <a:off x="2444610" y="1373899"/>
+          <a:ext cx="7842390" cy="5484102"/>
         </p:xfrm>
         <a:graphic>
           <a:graphicData uri="http://schemas.openxmlformats.org/drawingml/2006/chart">
@@ -23363,11 +23344,18 @@
   <p:clrMapOvr>
     <a:masterClrMapping/>
   </p:clrMapOvr>
+  <p:timing>
+    <p:tnLst>
+      <p:par>
+        <p:cTn id="1" dur="indefinite" restart="never" nodeType="tmRoot"/>
+      </p:par>
+    </p:tnLst>
+  </p:timing>
 </p:sld>
 </file>
 
-<file path=ppt/slides/slide5.xml><?xml version="1.0" encoding="utf-8"?>
-<p:sld xmlns:a="http://schemas.openxmlformats.org/drawingml/2006/main" xmlns:r="http://schemas.openxmlformats.org/officeDocument/2006/relationships" xmlns:p="http://schemas.openxmlformats.org/presentationml/2006/main">
+<file path=ppt/slides/slide4.xml><?xml version="1.0" encoding="utf-8"?>
+<p:sld xmlns:a="http://schemas.openxmlformats.org/drawingml/2006/main" xmlns:r="http://schemas.openxmlformats.org/officeDocument/2006/relationships" xmlns:p="http://schemas.openxmlformats.org/presentationml/2006/main" show="0">
   <p:cSld>
     <p:spTree>
       <p:nvGrpSpPr>
@@ -23451,8 +23439,12 @@
           </a:p>
           <a:p>
             <a:r>
+              <a:rPr lang="en-US" dirty="0" smtClean="0"/>
+              <a:t>Ended </a:t>
+            </a:r>
+            <a:r>
               <a:rPr lang="en-US" dirty="0"/>
-              <a:t>We ended up choosing with 50-50%</a:t>
+              <a:t>up choosing with 50-50%</a:t>
             </a:r>
           </a:p>
           <a:p>
@@ -23464,6 +23456,674 @@
     <p:extLst>
       <p:ext uri="{BB962C8B-B14F-4D97-AF65-F5344CB8AC3E}">
         <p14:creationId xmlns:p14="http://schemas.microsoft.com/office/powerpoint/2010/main" val="253849232"/>
+      </p:ext>
+    </p:extLst>
+  </p:cSld>
+  <p:clrMapOvr>
+    <a:masterClrMapping/>
+  </p:clrMapOvr>
+  <mc:AlternateContent xmlns:mc="http://schemas.openxmlformats.org/markup-compatibility/2006">
+    <mc:Choice xmlns:p14="http://schemas.microsoft.com/office/powerpoint/2010/main" Requires="p14">
+      <p:transition spd="slow" p14:dur="2000"/>
+    </mc:Choice>
+    <mc:Fallback>
+      <p:transition spd="slow"/>
+    </mc:Fallback>
+  </mc:AlternateContent>
+  <p:timing>
+    <p:tnLst>
+      <p:par>
+        <p:cTn id="1" dur="indefinite" restart="never" nodeType="tmRoot"/>
+      </p:par>
+    </p:tnLst>
+  </p:timing>
+</p:sld>
+</file>
+
+<file path=ppt/slides/slide5.xml><?xml version="1.0" encoding="utf-8"?>
+<p:sld xmlns:a="http://schemas.openxmlformats.org/drawingml/2006/main" xmlns:r="http://schemas.openxmlformats.org/officeDocument/2006/relationships" xmlns:p="http://schemas.openxmlformats.org/presentationml/2006/main">
+  <p:cSld>
+    <p:spTree>
+      <p:nvGrpSpPr>
+        <p:cNvPr id="1" name=""/>
+        <p:cNvGrpSpPr/>
+        <p:nvPr/>
+      </p:nvGrpSpPr>
+      <p:grpSpPr>
+        <a:xfrm>
+          <a:off x="0" y="0"/>
+          <a:ext cx="0" cy="0"/>
+          <a:chOff x="0" y="0"/>
+          <a:chExt cx="0" cy="0"/>
+        </a:xfrm>
+      </p:grpSpPr>
+      <p:sp>
+        <p:nvSpPr>
+          <p:cNvPr id="2" name="Title 1"/>
+          <p:cNvSpPr>
+            <a:spLocks noGrp="1"/>
+          </p:cNvSpPr>
+          <p:nvPr>
+            <p:ph type="title"/>
+          </p:nvPr>
+        </p:nvSpPr>
+        <p:spPr/>
+        <p:txBody>
+          <a:bodyPr>
+            <a:normAutofit/>
+          </a:bodyPr>
+          <a:lstStyle/>
+          <a:p>
+            <a:r>
+              <a:rPr lang="en-US" b="1" dirty="0"/>
+              <a:t>Models </a:t>
+            </a:r>
+            <a:r>
+              <a:rPr lang="en-US" b="1" dirty="0" smtClean="0"/>
+              <a:t>tested- </a:t>
+            </a:r>
+            <a:r>
+              <a:rPr lang="en-US" dirty="0" smtClean="0">
+                <a:solidFill>
+                  <a:srgbClr val="7030A0"/>
+                </a:solidFill>
+              </a:rPr>
+              <a:t>Gradient boosting </a:t>
+            </a:r>
+            <a:r>
+              <a:rPr lang="en-US" dirty="0" smtClean="0"/>
+              <a:t>,</a:t>
+            </a:r>
+            <a:r>
+              <a:rPr lang="en-US" dirty="0" smtClean="0">
+                <a:solidFill>
+                  <a:srgbClr val="7030A0"/>
+                </a:solidFill>
+              </a:rPr>
+              <a:t> </a:t>
+            </a:r>
+            <a:r>
+              <a:rPr lang="en-US" dirty="0">
+                <a:solidFill>
+                  <a:srgbClr val="00B050"/>
+                </a:solidFill>
+              </a:rPr>
+              <a:t>XG </a:t>
+            </a:r>
+            <a:r>
+              <a:rPr lang="en-US" dirty="0" smtClean="0">
+                <a:solidFill>
+                  <a:srgbClr val="00B050"/>
+                </a:solidFill>
+              </a:rPr>
+              <a:t>boost</a:t>
+            </a:r>
+            <a:endParaRPr lang="en-US" dirty="0"/>
+          </a:p>
+        </p:txBody>
+      </p:sp>
+      <mc:AlternateContent xmlns:mc="http://schemas.openxmlformats.org/markup-compatibility/2006" xmlns:a14="http://schemas.microsoft.com/office/drawing/2010/main">
+        <mc:Choice Requires="a14">
+          <p:sp>
+            <p:nvSpPr>
+              <p:cNvPr id="3" name="Content Placeholder 2"/>
+              <p:cNvSpPr>
+                <a:spLocks noGrp="1"/>
+              </p:cNvSpPr>
+              <p:nvPr>
+                <p:ph idx="1"/>
+              </p:nvPr>
+            </p:nvSpPr>
+            <p:spPr/>
+            <p:txBody>
+              <a:bodyPr>
+                <a:normAutofit/>
+              </a:bodyPr>
+              <a:lstStyle/>
+              <a:p>
+                <a:pPr marL="0" indent="0">
+                  <a:buNone/>
+                </a:pPr>
+                <a:r>
+                  <a:rPr lang="en-US" b="1" u="sng" dirty="0" smtClean="0">
+                    <a:solidFill>
+                      <a:srgbClr val="7030A0"/>
+                    </a:solidFill>
+                  </a:rPr>
+                  <a:t>Gradient</a:t>
+                </a:r>
+              </a:p>
+              <a:p>
+                <a:r>
+                  <a:rPr lang="en-US" dirty="0" smtClean="0">
+                    <a:solidFill>
+                      <a:schemeClr val="tx1"/>
+                    </a:solidFill>
+                  </a:rPr>
+                  <a:t>Input: </a:t>
+                </a:r>
+                <a:r>
+                  <a:rPr lang="en-US" dirty="0">
+                    <a:solidFill>
+                      <a:srgbClr val="FF0000"/>
+                    </a:solidFill>
+                  </a:rPr>
+                  <a:t>All features </a:t>
+                </a:r>
+                <a:r>
+                  <a:rPr lang="en-US" dirty="0" smtClean="0">
+                    <a:solidFill>
+                      <a:srgbClr val="FF0000"/>
+                    </a:solidFill>
+                  </a:rPr>
+                  <a:t>?</a:t>
+                </a:r>
+                <a:endParaRPr lang="en-US" dirty="0" smtClean="0"/>
+              </a:p>
+              <a:p>
+                <a:r>
+                  <a:rPr lang="en-US" sz="2900" dirty="0" smtClean="0"/>
+                  <a:t>Parameters:</a:t>
+                </a:r>
+              </a:p>
+              <a:p>
+                <a:pPr lvl="1"/>
+                <a:r>
+                  <a:rPr lang="en-US" sz="2500" dirty="0" smtClean="0"/>
+                  <a:t>Learning rate: 0.2</a:t>
+                </a:r>
+              </a:p>
+              <a:p>
+                <a:pPr lvl="1"/>
+                <a:r>
+                  <a:rPr lang="en-US" sz="2500" dirty="0" smtClean="0"/>
+                  <a:t># estimators: 50</a:t>
+                </a:r>
+              </a:p>
+              <a:p>
+                <a:pPr lvl="1"/>
+                <a:r>
+                  <a:rPr lang="en-US" sz="2500" dirty="0" smtClean="0"/>
+                  <a:t>Subsample: 0.8</a:t>
+                </a:r>
+              </a:p>
+              <a:p>
+                <a:pPr lvl="1"/>
+                <a:r>
+                  <a:rPr lang="en-US" sz="2500" dirty="0" smtClean="0"/>
+                  <a:t>Maximal depth: 10</a:t>
+                </a:r>
+              </a:p>
+              <a:p>
+                <a14:m>
+                  <m:oMath xmlns:m="http://schemas.openxmlformats.org/officeDocument/2006/math">
+                    <m:sSub>
+                      <m:sSubPr>
+                        <m:ctrlPr>
+                          <a:rPr lang="en-US" i="1">
+                            <a:latin typeface="Cambria Math" charset="0"/>
+                          </a:rPr>
+                        </m:ctrlPr>
+                      </m:sSubPr>
+                      <m:e>
+                        <m:r>
+                          <a:rPr lang="en-US" i="1">
+                            <a:latin typeface="Cambria Math" charset="0"/>
+                          </a:rPr>
+                          <m:t>𝑌</m:t>
+                        </m:r>
+                      </m:e>
+                      <m:sub>
+                        <m:r>
+                          <a:rPr lang="en-US" i="1">
+                            <a:latin typeface="Cambria Math" charset="0"/>
+                          </a:rPr>
+                          <m:t>0</m:t>
+                        </m:r>
+                      </m:sub>
+                    </m:sSub>
+                    <m:r>
+                      <a:rPr lang="en-US" i="1">
+                        <a:latin typeface="Cambria Math" charset="0"/>
+                      </a:rPr>
+                      <m:t>=</m:t>
+                    </m:r>
+                  </m:oMath>
+                </a14:m>
+                <a:r>
+                  <a:rPr lang="en-US" dirty="0"/>
+                  <a:t> # visitors</a:t>
+                </a:r>
+              </a:p>
+              <a:p>
+                <a:r>
+                  <a:rPr lang="en-US" i="1" dirty="0" smtClean="0"/>
+                  <a:t>E </a:t>
+                </a:r>
+                <a:r>
+                  <a:rPr lang="en-US" dirty="0" smtClean="0"/>
+                  <a:t>= square of deviation.</a:t>
+                </a:r>
+                <a:endParaRPr lang="en-US" dirty="0">
+                  <a:solidFill>
+                    <a:schemeClr val="tx1"/>
+                  </a:solidFill>
+                </a:endParaRPr>
+              </a:p>
+            </p:txBody>
+          </p:sp>
+        </mc:Choice>
+        <mc:Fallback xmlns="">
+          <p:sp>
+            <p:nvSpPr>
+              <p:cNvPr id="3" name="Content Placeholder 2"/>
+              <p:cNvSpPr>
+                <a:spLocks noGrp="1" noRot="1" noChangeAspect="1" noMove="1" noResize="1" noEditPoints="1" noAdjustHandles="1" noChangeArrowheads="1" noChangeShapeType="1" noTextEdit="1"/>
+              </p:cNvSpPr>
+              <p:nvPr>
+                <p:ph idx="1"/>
+              </p:nvPr>
+            </p:nvSpPr>
+            <p:spPr>
+              <a:blipFill rotWithShape="0">
+                <a:blip r:embed="rId2"/>
+                <a:stretch>
+                  <a:fillRect l="-1217" t="-2241"/>
+                </a:stretch>
+              </a:blipFill>
+            </p:spPr>
+            <p:txBody>
+              <a:bodyPr/>
+              <a:lstStyle/>
+              <a:p>
+                <a:r>
+                  <a:rPr lang="en-US">
+                    <a:noFill/>
+                  </a:rPr>
+                  <a:t> </a:t>
+                </a:r>
+              </a:p>
+            </p:txBody>
+          </p:sp>
+        </mc:Fallback>
+      </mc:AlternateContent>
+      <mc:AlternateContent xmlns:mc="http://schemas.openxmlformats.org/markup-compatibility/2006" xmlns:a14="http://schemas.microsoft.com/office/drawing/2010/main">
+        <mc:Choice Requires="a14">
+          <p:sp>
+            <p:nvSpPr>
+              <p:cNvPr id="5" name="Content Placeholder 2"/>
+              <p:cNvSpPr txBox="1">
+                <a:spLocks/>
+              </p:cNvSpPr>
+              <p:nvPr/>
+            </p:nvSpPr>
+            <p:spPr>
+              <a:xfrm>
+                <a:off x="6641592" y="1825625"/>
+                <a:ext cx="10515600" cy="4351338"/>
+              </a:xfrm>
+              <a:prstGeom prst="rect">
+                <a:avLst/>
+              </a:prstGeom>
+            </p:spPr>
+            <p:txBody>
+              <a:bodyPr vert="horz" lIns="91440" tIns="45720" rIns="91440" bIns="45720" rtlCol="0">
+                <a:normAutofit lnSpcReduction="10000"/>
+              </a:bodyPr>
+              <a:lstStyle>
+                <a:lvl1pPr marL="228600" indent="-228600" algn="l" defTabSz="914400" rtl="0" eaLnBrk="1" latinLnBrk="0" hangingPunct="1">
+                  <a:lnSpc>
+                    <a:spcPct val="90000"/>
+                  </a:lnSpc>
+                  <a:spcBef>
+                    <a:spcPts val="1000"/>
+                  </a:spcBef>
+                  <a:buFont typeface="Arial"/>
+                  <a:buChar char="•"/>
+                  <a:defRPr sz="2800" kern="1200">
+                    <a:solidFill>
+                      <a:schemeClr val="tx1"/>
+                    </a:solidFill>
+                    <a:latin typeface="+mn-lt"/>
+                    <a:ea typeface="+mn-ea"/>
+                    <a:cs typeface="+mn-cs"/>
+                  </a:defRPr>
+                </a:lvl1pPr>
+                <a:lvl2pPr marL="685800" indent="-228600" algn="l" defTabSz="914400" rtl="0" eaLnBrk="1" latinLnBrk="0" hangingPunct="1">
+                  <a:lnSpc>
+                    <a:spcPct val="90000"/>
+                  </a:lnSpc>
+                  <a:spcBef>
+                    <a:spcPts val="500"/>
+                  </a:spcBef>
+                  <a:buFont typeface="Arial"/>
+                  <a:buChar char="•"/>
+                  <a:defRPr sz="2400" kern="1200">
+                    <a:solidFill>
+                      <a:schemeClr val="tx1"/>
+                    </a:solidFill>
+                    <a:latin typeface="+mn-lt"/>
+                    <a:ea typeface="+mn-ea"/>
+                    <a:cs typeface="+mn-cs"/>
+                  </a:defRPr>
+                </a:lvl2pPr>
+                <a:lvl3pPr marL="1143000" indent="-228600" algn="l" defTabSz="914400" rtl="0" eaLnBrk="1" latinLnBrk="0" hangingPunct="1">
+                  <a:lnSpc>
+                    <a:spcPct val="90000"/>
+                  </a:lnSpc>
+                  <a:spcBef>
+                    <a:spcPts val="500"/>
+                  </a:spcBef>
+                  <a:buFont typeface="Arial"/>
+                  <a:buChar char="•"/>
+                  <a:defRPr sz="2000" kern="1200">
+                    <a:solidFill>
+                      <a:schemeClr val="tx1"/>
+                    </a:solidFill>
+                    <a:latin typeface="+mn-lt"/>
+                    <a:ea typeface="+mn-ea"/>
+                    <a:cs typeface="+mn-cs"/>
+                  </a:defRPr>
+                </a:lvl3pPr>
+                <a:lvl4pPr marL="1600200" indent="-228600" algn="l" defTabSz="914400" rtl="0" eaLnBrk="1" latinLnBrk="0" hangingPunct="1">
+                  <a:lnSpc>
+                    <a:spcPct val="90000"/>
+                  </a:lnSpc>
+                  <a:spcBef>
+                    <a:spcPts val="500"/>
+                  </a:spcBef>
+                  <a:buFont typeface="Arial"/>
+                  <a:buChar char="•"/>
+                  <a:defRPr sz="1800" kern="1200">
+                    <a:solidFill>
+                      <a:schemeClr val="tx1"/>
+                    </a:solidFill>
+                    <a:latin typeface="+mn-lt"/>
+                    <a:ea typeface="+mn-ea"/>
+                    <a:cs typeface="+mn-cs"/>
+                  </a:defRPr>
+                </a:lvl4pPr>
+                <a:lvl5pPr marL="2057400" indent="-228600" algn="l" defTabSz="914400" rtl="0" eaLnBrk="1" latinLnBrk="0" hangingPunct="1">
+                  <a:lnSpc>
+                    <a:spcPct val="90000"/>
+                  </a:lnSpc>
+                  <a:spcBef>
+                    <a:spcPts val="500"/>
+                  </a:spcBef>
+                  <a:buFont typeface="Arial"/>
+                  <a:buChar char="•"/>
+                  <a:defRPr sz="1800" kern="1200">
+                    <a:solidFill>
+                      <a:schemeClr val="tx1"/>
+                    </a:solidFill>
+                    <a:latin typeface="+mn-lt"/>
+                    <a:ea typeface="+mn-ea"/>
+                    <a:cs typeface="+mn-cs"/>
+                  </a:defRPr>
+                </a:lvl5pPr>
+                <a:lvl6pPr marL="2514600" indent="-228600" algn="l" defTabSz="914400" rtl="0" eaLnBrk="1" latinLnBrk="0" hangingPunct="1">
+                  <a:lnSpc>
+                    <a:spcPct val="90000"/>
+                  </a:lnSpc>
+                  <a:spcBef>
+                    <a:spcPts val="500"/>
+                  </a:spcBef>
+                  <a:buFont typeface="Arial"/>
+                  <a:buChar char="•"/>
+                  <a:defRPr sz="1800" kern="1200">
+                    <a:solidFill>
+                      <a:schemeClr val="tx1"/>
+                    </a:solidFill>
+                    <a:latin typeface="+mn-lt"/>
+                    <a:ea typeface="+mn-ea"/>
+                    <a:cs typeface="+mn-cs"/>
+                  </a:defRPr>
+                </a:lvl6pPr>
+                <a:lvl7pPr marL="2971800" indent="-228600" algn="l" defTabSz="914400" rtl="0" eaLnBrk="1" latinLnBrk="0" hangingPunct="1">
+                  <a:lnSpc>
+                    <a:spcPct val="90000"/>
+                  </a:lnSpc>
+                  <a:spcBef>
+                    <a:spcPts val="500"/>
+                  </a:spcBef>
+                  <a:buFont typeface="Arial"/>
+                  <a:buChar char="•"/>
+                  <a:defRPr sz="1800" kern="1200">
+                    <a:solidFill>
+                      <a:schemeClr val="tx1"/>
+                    </a:solidFill>
+                    <a:latin typeface="+mn-lt"/>
+                    <a:ea typeface="+mn-ea"/>
+                    <a:cs typeface="+mn-cs"/>
+                  </a:defRPr>
+                </a:lvl7pPr>
+                <a:lvl8pPr marL="3429000" indent="-228600" algn="l" defTabSz="914400" rtl="0" eaLnBrk="1" latinLnBrk="0" hangingPunct="1">
+                  <a:lnSpc>
+                    <a:spcPct val="90000"/>
+                  </a:lnSpc>
+                  <a:spcBef>
+                    <a:spcPts val="500"/>
+                  </a:spcBef>
+                  <a:buFont typeface="Arial"/>
+                  <a:buChar char="•"/>
+                  <a:defRPr sz="1800" kern="1200">
+                    <a:solidFill>
+                      <a:schemeClr val="tx1"/>
+                    </a:solidFill>
+                    <a:latin typeface="+mn-lt"/>
+                    <a:ea typeface="+mn-ea"/>
+                    <a:cs typeface="+mn-cs"/>
+                  </a:defRPr>
+                </a:lvl8pPr>
+                <a:lvl9pPr marL="3886200" indent="-228600" algn="l" defTabSz="914400" rtl="0" eaLnBrk="1" latinLnBrk="0" hangingPunct="1">
+                  <a:lnSpc>
+                    <a:spcPct val="90000"/>
+                  </a:lnSpc>
+                  <a:spcBef>
+                    <a:spcPts val="500"/>
+                  </a:spcBef>
+                  <a:buFont typeface="Arial"/>
+                  <a:buChar char="•"/>
+                  <a:defRPr sz="1800" kern="1200">
+                    <a:solidFill>
+                      <a:schemeClr val="tx1"/>
+                    </a:solidFill>
+                    <a:latin typeface="+mn-lt"/>
+                    <a:ea typeface="+mn-ea"/>
+                    <a:cs typeface="+mn-cs"/>
+                  </a:defRPr>
+                </a:lvl9pPr>
+              </a:lstStyle>
+              <a:p>
+                <a:pPr marL="0" indent="0">
+                  <a:buFont typeface="Arial"/>
+                  <a:buNone/>
+                </a:pPr>
+                <a:r>
+                  <a:rPr lang="en-US" b="1" u="sng" dirty="0" smtClean="0">
+                    <a:solidFill>
+                      <a:srgbClr val="00B050"/>
+                    </a:solidFill>
+                  </a:rPr>
+                  <a:t>XGB</a:t>
+                </a:r>
+              </a:p>
+              <a:p>
+                <a:r>
+                  <a:rPr lang="en-US" dirty="0" smtClean="0"/>
+                  <a:t>Input: </a:t>
+                </a:r>
+                <a:r>
+                  <a:rPr lang="en-US" dirty="0" smtClean="0">
+                    <a:solidFill>
+                      <a:srgbClr val="FF0000"/>
+                    </a:solidFill>
+                  </a:rPr>
+                  <a:t>All features ?</a:t>
+                </a:r>
+              </a:p>
+              <a:p>
+                <a:r>
+                  <a:rPr lang="en-US" sz="2900" dirty="0" smtClean="0"/>
+                  <a:t>Parameters:</a:t>
+                </a:r>
+              </a:p>
+              <a:p>
+                <a:pPr lvl="1"/>
+                <a:r>
+                  <a:rPr lang="en-US" sz="2500" dirty="0"/>
+                  <a:t>Learning rate: </a:t>
+                </a:r>
+                <a:r>
+                  <a:rPr lang="en-US" sz="2500" dirty="0" smtClean="0"/>
+                  <a:t>0.1</a:t>
+                </a:r>
+                <a:endParaRPr lang="en-US" sz="2500" dirty="0"/>
+              </a:p>
+              <a:p>
+                <a:pPr lvl="1"/>
+                <a:r>
+                  <a:rPr lang="en-US" sz="2500" smtClean="0"/>
+                  <a:t># </a:t>
+                </a:r>
+                <a:r>
+                  <a:rPr lang="en-US" sz="2500" dirty="0"/>
+                  <a:t>estimators: </a:t>
+                </a:r>
+                <a:r>
+                  <a:rPr lang="en-US" sz="2500" dirty="0" smtClean="0"/>
+                  <a:t>100</a:t>
+                </a:r>
+                <a:endParaRPr lang="en-US" sz="2500" dirty="0"/>
+              </a:p>
+              <a:p>
+                <a:pPr lvl="1"/>
+                <a:r>
+                  <a:rPr lang="en-US" sz="2500" dirty="0"/>
+                  <a:t>Subsample: </a:t>
+                </a:r>
+                <a:r>
+                  <a:rPr lang="en-US" sz="2500" dirty="0" smtClean="0"/>
+                  <a:t>0.8</a:t>
+                </a:r>
+              </a:p>
+              <a:p>
+                <a:pPr lvl="1"/>
+                <a:r>
+                  <a:rPr lang="en-US" sz="2500" dirty="0" err="1" smtClean="0"/>
+                  <a:t>Colsample</a:t>
+                </a:r>
+                <a:r>
+                  <a:rPr lang="en-US" sz="2500" dirty="0" smtClean="0"/>
+                  <a:t> by tree: 0.8</a:t>
+                </a:r>
+                <a:endParaRPr lang="en-US" sz="2500" dirty="0"/>
+              </a:p>
+              <a:p>
+                <a:pPr lvl="1"/>
+                <a:r>
+                  <a:rPr lang="en-US" sz="2500" dirty="0"/>
+                  <a:t>Maximal depth: 10</a:t>
+                </a:r>
+              </a:p>
+              <a:p>
+                <a14:m>
+                  <m:oMath xmlns:m="http://schemas.openxmlformats.org/officeDocument/2006/math">
+                    <m:sSub>
+                      <m:sSubPr>
+                        <m:ctrlPr>
+                          <a:rPr lang="en-US" i="1">
+                            <a:latin typeface="Cambria Math" charset="0"/>
+                          </a:rPr>
+                        </m:ctrlPr>
+                      </m:sSubPr>
+                      <m:e>
+                        <m:r>
+                          <a:rPr lang="en-US" i="1">
+                            <a:latin typeface="Cambria Math" charset="0"/>
+                          </a:rPr>
+                          <m:t>𝑌</m:t>
+                        </m:r>
+                      </m:e>
+                      <m:sub>
+                        <m:r>
+                          <a:rPr lang="en-US" i="1">
+                            <a:latin typeface="Cambria Math" charset="0"/>
+                          </a:rPr>
+                          <m:t>0</m:t>
+                        </m:r>
+                      </m:sub>
+                    </m:sSub>
+                    <m:r>
+                      <a:rPr lang="en-US" i="1">
+                        <a:latin typeface="Cambria Math" charset="0"/>
+                      </a:rPr>
+                      <m:t>=</m:t>
+                    </m:r>
+                  </m:oMath>
+                </a14:m>
+                <a:r>
+                  <a:rPr lang="en-US" dirty="0"/>
+                  <a:t> # visitors</a:t>
+                </a:r>
+              </a:p>
+              <a:p>
+                <a:r>
+                  <a:rPr lang="en-US" i="1" dirty="0" smtClean="0"/>
+                  <a:t>E </a:t>
+                </a:r>
+                <a:r>
+                  <a:rPr lang="en-US" dirty="0" smtClean="0"/>
+                  <a:t>= square of deviation.</a:t>
+                </a:r>
+                <a:endParaRPr lang="en-US" dirty="0"/>
+              </a:p>
+            </p:txBody>
+          </p:sp>
+        </mc:Choice>
+        <mc:Fallback xmlns="">
+          <p:sp>
+            <p:nvSpPr>
+              <p:cNvPr id="5" name="Content Placeholder 2"/>
+              <p:cNvSpPr txBox="1">
+                <a:spLocks noRot="1" noChangeAspect="1" noMove="1" noResize="1" noEditPoints="1" noAdjustHandles="1" noChangeArrowheads="1" noChangeShapeType="1" noTextEdit="1"/>
+              </p:cNvSpPr>
+              <p:nvPr/>
+            </p:nvSpPr>
+            <p:spPr>
+              <a:xfrm>
+                <a:off x="6641592" y="1825625"/>
+                <a:ext cx="10515600" cy="4351338"/>
+              </a:xfrm>
+              <a:prstGeom prst="rect">
+                <a:avLst/>
+              </a:prstGeom>
+              <a:blipFill rotWithShape="0">
+                <a:blip r:embed="rId3"/>
+                <a:stretch>
+                  <a:fillRect l="-1217" t="-3081"/>
+                </a:stretch>
+              </a:blipFill>
+            </p:spPr>
+            <p:txBody>
+              <a:bodyPr/>
+              <a:lstStyle/>
+              <a:p>
+                <a:r>
+                  <a:rPr lang="en-US">
+                    <a:noFill/>
+                  </a:rPr>
+                  <a:t> </a:t>
+                </a:r>
+              </a:p>
+            </p:txBody>
+          </p:sp>
+        </mc:Fallback>
+      </mc:AlternateContent>
+    </p:spTree>
+    <p:extLst>
+      <p:ext uri="{BB962C8B-B14F-4D97-AF65-F5344CB8AC3E}">
+        <p14:creationId xmlns:p14="http://schemas.microsoft.com/office/powerpoint/2010/main" val="1194086781"/>
       </p:ext>
     </p:extLst>
   </p:cSld>
@@ -23506,9 +24166,26 @@
           <a:lstStyle/>
           <a:p>
             <a:r>
+              <a:rPr lang="en-US" b="1" dirty="0"/>
+              <a:t>Models </a:t>
+            </a:r>
+            <a:r>
+              <a:rPr lang="en-US" b="1" dirty="0" smtClean="0"/>
+              <a:t>tested-</a:t>
+            </a:r>
+            <a:r>
               <a:rPr lang="en-US" dirty="0"/>
-              <a:t>Models tested</a:t>
+              <a:t> </a:t>
             </a:r>
+            <a:r>
+              <a:rPr lang="en-US" dirty="0" smtClean="0">
+                <a:solidFill>
+                  <a:srgbClr val="00B0F0"/>
+                </a:solidFill>
+              </a:rPr>
+              <a:t>Neural Network</a:t>
+            </a:r>
+            <a:endParaRPr lang="en-US" dirty="0"/>
           </a:p>
         </p:txBody>
       </p:sp>
@@ -23524,237 +24201,463 @@
                 <p:ph idx="1"/>
               </p:nvPr>
             </p:nvSpPr>
-            <p:spPr/>
+            <p:spPr>
+              <a:xfrm>
+                <a:off x="838200" y="1825624"/>
+                <a:ext cx="10515600" cy="4666615"/>
+              </a:xfrm>
+            </p:spPr>
             <p:txBody>
-              <a:bodyPr/>
+              <a:bodyPr>
+                <a:normAutofit fontScale="92500" lnSpcReduction="10000"/>
+              </a:bodyPr>
               <a:lstStyle/>
               <a:p>
                 <a:r>
-                  <a:rPr lang="en-US" strike="sngStrike" dirty="0"/>
-                  <a:t>Random forest</a:t>
+                  <a:rPr lang="en-US" dirty="0" smtClean="0">
+                    <a:solidFill>
+                      <a:schemeClr val="tx1"/>
+                    </a:solidFill>
+                  </a:rPr>
+                  <a:t>Input:</a:t>
+                </a:r>
+              </a:p>
+              <a:p>
+                <a:pPr lvl="1"/>
+                <a:r>
+                  <a:rPr lang="en-US" dirty="0" smtClean="0">
+                    <a:solidFill>
+                      <a:schemeClr val="tx1"/>
+                    </a:solidFill>
+                  </a:rPr>
+                  <a:t>All features</a:t>
                 </a:r>
               </a:p>
               <a:p>
                 <a:r>
+                  <a:rPr lang="en-US" dirty="0" smtClean="0">
+                    <a:solidFill>
+                      <a:schemeClr val="tx1"/>
+                    </a:solidFill>
+                  </a:rPr>
+                  <a:t>2 </a:t>
+                </a:r>
+                <a:r>
                   <a:rPr lang="en-US" dirty="0">
                     <a:solidFill>
-                      <a:srgbClr val="7030A0"/>
+                      <a:schemeClr val="tx1"/>
                     </a:solidFill>
                   </a:rPr>
-                  <a:t>Gradient boosting</a:t>
+                  <a:t>hidden </a:t>
+                </a:r>
+                <a:r>
+                  <a:rPr lang="en-US" dirty="0" smtClean="0">
+                    <a:solidFill>
+                      <a:schemeClr val="tx1"/>
+                    </a:solidFill>
+                  </a:rPr>
+                  <a:t>layers:</a:t>
+                </a:r>
+              </a:p>
+              <a:p>
+                <a:pPr lvl="1"/>
+                <a:r>
+                  <a:rPr lang="en-US" dirty="0" smtClean="0">
+                    <a:solidFill>
+                      <a:schemeClr val="tx1"/>
+                    </a:solidFill>
+                  </a:rPr>
+                  <a:t>1</a:t>
+                </a:r>
+                <a:r>
+                  <a:rPr lang="en-US" baseline="30000" dirty="0" smtClean="0">
+                    <a:solidFill>
+                      <a:schemeClr val="tx1"/>
+                    </a:solidFill>
+                  </a:rPr>
+                  <a:t>st</a:t>
+                </a:r>
+                <a:r>
+                  <a:rPr lang="en-US" dirty="0" smtClean="0">
+                    <a:solidFill>
+                      <a:schemeClr val="tx1"/>
+                    </a:solidFill>
+                  </a:rPr>
+                  <a:t> : </a:t>
+                </a:r>
+                <a:r>
+                  <a:rPr lang="en-US" dirty="0">
+                    <a:solidFill>
+                      <a:schemeClr val="tx1"/>
+                    </a:solidFill>
+                  </a:rPr>
+                  <a:t>35 </a:t>
+                </a:r>
+                <a:r>
+                  <a:rPr lang="en-US" dirty="0" smtClean="0">
+                    <a:solidFill>
+                      <a:schemeClr val="tx1"/>
+                    </a:solidFill>
+                  </a:rPr>
+                  <a:t>neurons</a:t>
+                </a:r>
+              </a:p>
+              <a:p>
+                <a:pPr lvl="1"/>
+                <a:r>
+                  <a:rPr lang="en-US" dirty="0" smtClean="0">
+                    <a:solidFill>
+                      <a:schemeClr val="tx1"/>
+                    </a:solidFill>
+                  </a:rPr>
+                  <a:t>2</a:t>
+                </a:r>
+                <a:r>
+                  <a:rPr lang="en-US" baseline="30000" dirty="0" smtClean="0">
+                    <a:solidFill>
+                      <a:schemeClr val="tx1"/>
+                    </a:solidFill>
+                  </a:rPr>
+                  <a:t>nd</a:t>
+                </a:r>
+                <a:r>
+                  <a:rPr lang="en-US" dirty="0" smtClean="0">
+                    <a:solidFill>
+                      <a:schemeClr val="tx1"/>
+                    </a:solidFill>
+                  </a:rPr>
+                  <a:t> : 15 neurons</a:t>
+                </a:r>
+                <a:endParaRPr lang="en-US" dirty="0">
+                  <a:solidFill>
+                    <a:schemeClr val="tx1"/>
+                  </a:solidFill>
+                </a:endParaRPr>
+              </a:p>
+              <a:p>
+                <a:r>
+                  <a:rPr lang="en-US" dirty="0" smtClean="0">
+                    <a:solidFill>
+                      <a:schemeClr val="tx1"/>
+                    </a:solidFill>
+                  </a:rPr>
+                  <a:t>Activation function: </a:t>
+                </a:r>
+                <a:r>
+                  <a:rPr lang="en-US" b="1" dirty="0" smtClean="0">
+                    <a:solidFill>
+                      <a:schemeClr val="tx1"/>
+                    </a:solidFill>
+                  </a:rPr>
+                  <a:t>sigmoid</a:t>
+                </a:r>
+                <a:r>
+                  <a:rPr lang="en-US" dirty="0" smtClean="0">
+                    <a:solidFill>
+                      <a:schemeClr val="tx1"/>
+                    </a:solidFill>
+                  </a:rPr>
+                  <a:t> : 	</a:t>
+                </a:r>
+                <a14:m>
+                  <m:oMath xmlns:m="http://schemas.openxmlformats.org/officeDocument/2006/math">
+                    <m:r>
+                      <a:rPr lang="en-US" i="1">
+                        <a:latin typeface="Cambria Math" charset="0"/>
+                      </a:rPr>
+                      <m:t>𝑦</m:t>
+                    </m:r>
+                    <m:r>
+                      <a:rPr lang="en-US" i="1">
+                        <a:latin typeface="Cambria Math" charset="0"/>
+                      </a:rPr>
+                      <m:t>= </m:t>
+                    </m:r>
+                    <m:f>
+                      <m:fPr>
+                        <m:ctrlPr>
+                          <a:rPr lang="en-US" i="1">
+                            <a:latin typeface="Cambria Math" charset="0"/>
+                          </a:rPr>
+                        </m:ctrlPr>
+                      </m:fPr>
+                      <m:num>
+                        <m:r>
+                          <a:rPr lang="en-US" i="1">
+                            <a:latin typeface="Cambria Math" charset="0"/>
+                          </a:rPr>
+                          <m:t>1</m:t>
+                        </m:r>
+                      </m:num>
+                      <m:den>
+                        <m:r>
+                          <a:rPr lang="en-US" i="1">
+                            <a:latin typeface="Cambria Math" charset="0"/>
+                          </a:rPr>
+                          <m:t>1+</m:t>
+                        </m:r>
+                        <m:sSup>
+                          <m:sSupPr>
+                            <m:ctrlPr>
+                              <a:rPr lang="en-US" i="1">
+                                <a:latin typeface="Cambria Math" charset="0"/>
+                              </a:rPr>
+                            </m:ctrlPr>
+                          </m:sSupPr>
+                          <m:e>
+                            <m:r>
+                              <a:rPr lang="en-US" i="1">
+                                <a:latin typeface="Cambria Math" charset="0"/>
+                              </a:rPr>
+                              <m:t>𝑒</m:t>
+                            </m:r>
+                          </m:e>
+                          <m:sup>
+                            <m:r>
+                              <a:rPr lang="en-US" i="1">
+                                <a:latin typeface="Cambria Math" charset="0"/>
+                              </a:rPr>
+                              <m:t>−</m:t>
+                            </m:r>
+                            <m:r>
+                              <a:rPr lang="en-US" i="1">
+                                <a:latin typeface="Cambria Math" charset="0"/>
+                              </a:rPr>
+                              <m:t>𝑥</m:t>
+                            </m:r>
+                          </m:sup>
+                        </m:sSup>
+                      </m:den>
+                    </m:f>
+                  </m:oMath>
+                </a14:m>
+                <a:r>
+                  <a:rPr lang="en-US" dirty="0" smtClean="0">
+                    <a:solidFill>
+                      <a:schemeClr val="tx1"/>
+                    </a:solidFill>
+                  </a:rPr>
+                  <a:t> , 	</a:t>
+                </a:r>
+                <a:r>
+                  <a:rPr lang="en-US" b="1" dirty="0" smtClean="0">
+                    <a:solidFill>
+                      <a:schemeClr val="tx1"/>
+                    </a:solidFill>
+                  </a:rPr>
+                  <a:t>Leaky </a:t>
+                </a:r>
+                <a:r>
+                  <a:rPr lang="en-US" b="1" dirty="0" err="1" smtClean="0"/>
+                  <a:t>R</a:t>
+                </a:r>
+                <a:r>
+                  <a:rPr lang="en-US" b="1" dirty="0" err="1" smtClean="0">
+                    <a:solidFill>
+                      <a:schemeClr val="tx1"/>
+                    </a:solidFill>
+                  </a:rPr>
+                  <a:t>elU</a:t>
+                </a:r>
+                <a:r>
+                  <a:rPr lang="en-US" dirty="0" smtClean="0">
+                    <a:solidFill>
+                      <a:schemeClr val="tx1"/>
+                    </a:solidFill>
+                  </a:rPr>
+                  <a:t>: </a:t>
+                </a:r>
+                <a14:m>
+                  <m:oMath xmlns:m="http://schemas.openxmlformats.org/officeDocument/2006/math">
+                    <m:r>
+                      <a:rPr lang="en-US" i="1" smtClean="0">
+                        <a:solidFill>
+                          <a:srgbClr val="FF0000"/>
+                        </a:solidFill>
+                        <a:latin typeface="Cambria Math" charset="0"/>
+                      </a:rPr>
+                      <m:t>𝑦</m:t>
+                    </m:r>
+                    <m:r>
+                      <a:rPr lang="en-US" i="1" smtClean="0">
+                        <a:solidFill>
+                          <a:srgbClr val="FF0000"/>
+                        </a:solidFill>
+                        <a:latin typeface="Cambria Math" charset="0"/>
+                      </a:rPr>
+                      <m:t>= </m:t>
+                    </m:r>
+                    <m:d>
+                      <m:dPr>
+                        <m:begChr m:val="{"/>
+                        <m:endChr m:val=""/>
+                        <m:ctrlPr>
+                          <a:rPr lang="en-US" i="1">
+                            <a:solidFill>
+                              <a:srgbClr val="FF0000"/>
+                            </a:solidFill>
+                            <a:latin typeface="Cambria Math" charset="0"/>
+                          </a:rPr>
+                        </m:ctrlPr>
+                      </m:dPr>
+                      <m:e>
+                        <m:eqArr>
+                          <m:eqArrPr>
+                            <m:ctrlPr>
+                              <a:rPr lang="en-US" i="1">
+                                <a:solidFill>
+                                  <a:srgbClr val="FF0000"/>
+                                </a:solidFill>
+                                <a:latin typeface="Cambria Math" charset="0"/>
+                              </a:rPr>
+                            </m:ctrlPr>
+                          </m:eqArrPr>
+                          <m:e>
+                            <m:r>
+                              <a:rPr lang="en-US" i="1">
+                                <a:solidFill>
+                                  <a:srgbClr val="FF0000"/>
+                                </a:solidFill>
+                                <a:latin typeface="Cambria Math" charset="0"/>
+                              </a:rPr>
+                              <m:t>𝑥</m:t>
+                            </m:r>
+                            <m:r>
+                              <a:rPr lang="en-US" i="1">
+                                <a:solidFill>
+                                  <a:srgbClr val="FF0000"/>
+                                </a:solidFill>
+                                <a:latin typeface="Cambria Math" charset="0"/>
+                              </a:rPr>
+                              <m:t> , </m:t>
+                            </m:r>
+                            <m:r>
+                              <a:rPr lang="en-US" i="1">
+                                <a:solidFill>
+                                  <a:srgbClr val="FF0000"/>
+                                </a:solidFill>
+                                <a:latin typeface="Cambria Math" charset="0"/>
+                              </a:rPr>
+                              <m:t>𝑥</m:t>
+                            </m:r>
+                            <m:r>
+                              <a:rPr lang="en-US" i="1">
+                                <a:solidFill>
+                                  <a:srgbClr val="FF0000"/>
+                                </a:solidFill>
+                                <a:latin typeface="Cambria Math" charset="0"/>
+                              </a:rPr>
+                              <m:t>&gt;0</m:t>
+                            </m:r>
+                          </m:e>
+                          <m:e>
+                            <m:r>
+                              <a:rPr lang="en-US" i="1">
+                                <a:solidFill>
+                                  <a:srgbClr val="FF0000"/>
+                                </a:solidFill>
+                                <a:latin typeface="Cambria Math" charset="0"/>
+                              </a:rPr>
+                              <m:t>0 , </m:t>
+                            </m:r>
+                            <m:r>
+                              <a:rPr lang="en-US" i="1">
+                                <a:solidFill>
+                                  <a:srgbClr val="FF0000"/>
+                                </a:solidFill>
+                                <a:latin typeface="Cambria Math" charset="0"/>
+                              </a:rPr>
+                              <m:t>𝑥</m:t>
+                            </m:r>
+                            <m:r>
+                              <a:rPr lang="en-US" i="1">
+                                <a:solidFill>
+                                  <a:srgbClr val="FF0000"/>
+                                </a:solidFill>
+                                <a:latin typeface="Cambria Math" charset="0"/>
+                              </a:rPr>
+                              <m:t>≤0</m:t>
+                            </m:r>
+                          </m:e>
+                        </m:eqArr>
+                      </m:e>
+                    </m:d>
+                  </m:oMath>
+                </a14:m>
+                <a:endParaRPr lang="en-US" dirty="0" smtClean="0">
+                  <a:solidFill>
+                    <a:srgbClr val="FF0000"/>
+                  </a:solidFill>
+                </a:endParaRPr>
+              </a:p>
+              <a:p>
+                <a14:m>
+                  <m:oMath xmlns:m="http://schemas.openxmlformats.org/officeDocument/2006/math">
+                    <m:sSub>
+                      <m:sSubPr>
+                        <m:ctrlPr>
+                          <a:rPr lang="en-US" i="1">
+                            <a:latin typeface="Cambria Math" charset="0"/>
+                          </a:rPr>
+                        </m:ctrlPr>
+                      </m:sSubPr>
+                      <m:e>
+                        <m:r>
+                          <a:rPr lang="en-US" i="1">
+                            <a:latin typeface="Cambria Math" charset="0"/>
+                          </a:rPr>
+                          <m:t>𝑌</m:t>
+                        </m:r>
+                      </m:e>
+                      <m:sub>
+                        <m:r>
+                          <a:rPr lang="en-US" i="1">
+                            <a:latin typeface="Cambria Math" charset="0"/>
+                          </a:rPr>
+                          <m:t>0</m:t>
+                        </m:r>
+                      </m:sub>
+                    </m:sSub>
+                    <m:r>
+                      <a:rPr lang="en-US" i="1">
+                        <a:latin typeface="Cambria Math" charset="0"/>
+                      </a:rPr>
+                      <m:t>=</m:t>
+                    </m:r>
+                  </m:oMath>
+                </a14:m>
+                <a:r>
+                  <a:rPr lang="en-US" dirty="0"/>
+                  <a:t> # visitors</a:t>
                 </a:r>
               </a:p>
               <a:p>
                 <a:r>
-                  <a:rPr lang="en-US" dirty="0">
-                    <a:solidFill>
-                      <a:srgbClr val="00B050"/>
-                    </a:solidFill>
-                  </a:rPr>
-                  <a:t>XG boost</a:t>
+                  <a:rPr lang="en-US" i="1" dirty="0" smtClean="0"/>
+                  <a:t>E </a:t>
+                </a:r>
+                <a:r>
+                  <a:rPr lang="en-US" dirty="0" smtClean="0"/>
+                  <a:t>= square of deviation.</a:t>
                 </a:r>
               </a:p>
               <a:p>
                 <a:r>
-                  <a:rPr lang="en-US" dirty="0">
-                    <a:solidFill>
-                      <a:srgbClr val="00B0F0"/>
-                    </a:solidFill>
-                  </a:rPr>
-                  <a:t>Neural Network</a:t>
+                  <a:rPr lang="en-US" dirty="0" smtClean="0"/>
+                  <a:t>Batch learning</a:t>
                 </a:r>
+                <a:endParaRPr lang="he-IL" dirty="0" smtClean="0"/>
               </a:p>
               <a:p>
                 <a:r>
-                  <a:rPr lang="en-US" dirty="0">
-                    <a:solidFill>
-                      <a:srgbClr val="C00000"/>
-                    </a:solidFill>
-                  </a:rPr>
-                  <a:t>Weighted Average (per weekday)</a:t>
+                  <a:rPr lang="en-US" dirty="0" smtClean="0"/>
+                  <a:t>Run: 100 epochs</a:t>
                 </a:r>
-              </a:p>
-              <a:p>
-                <a:endParaRPr lang="en-US" dirty="0"/>
-              </a:p>
-              <a:p>
-                <a:pPr marL="0" indent="0">
-                  <a:buNone/>
-                </a:pPr>
-                <a14:m>
-                  <m:oMathPara xmlns:m="http://schemas.openxmlformats.org/officeDocument/2006/math">
-                    <m:oMathParaPr>
-                      <m:jc m:val="centerGroup"/>
-                    </m:oMathParaPr>
-                    <m:oMath xmlns:m="http://schemas.openxmlformats.org/officeDocument/2006/math">
-                      <m:r>
-                        <a:rPr lang="en-US" b="1" i="1">
-                          <a:latin typeface="Cambria Math" panose="02040503050406030204" pitchFamily="18" charset="0"/>
-                        </a:rPr>
-                        <m:t>𝐏𝐫𝐞𝐝𝐢𝐜𝐭𝐢𝐨𝐧</m:t>
-                      </m:r>
-                      <m:r>
-                        <a:rPr lang="en-US">
-                          <a:latin typeface="Cambria Math" panose="02040503050406030204" pitchFamily="18" charset="0"/>
-                        </a:rPr>
-                        <m:t>= .</m:t>
-                      </m:r>
-                      <m:r>
-                        <a:rPr lang="en-US">
-                          <a:latin typeface="Cambria Math" panose="02040503050406030204" pitchFamily="18" charset="0"/>
-                        </a:rPr>
-                        <m:t>7</m:t>
-                      </m:r>
-                      <m:r>
-                        <a:rPr lang="en-US" i="1">
-                          <a:latin typeface="Cambria Math" panose="02040503050406030204" pitchFamily="18" charset="0"/>
-                        </a:rPr>
-                        <m:t>∗</m:t>
-                      </m:r>
-                      <m:d>
-                        <m:dPr>
-                          <m:ctrlPr>
-                            <a:rPr lang="en-US" i="1">
-                              <a:latin typeface="Cambria Math" charset="0"/>
-                            </a:rPr>
-                          </m:ctrlPr>
-                        </m:dPr>
-                        <m:e>
-                          <m:f>
-                            <m:fPr>
-                              <m:ctrlPr>
-                                <a:rPr lang="en-US" i="1">
-                                  <a:latin typeface="Cambria Math" charset="0"/>
-                                </a:rPr>
-                              </m:ctrlPr>
-                            </m:fPr>
-                            <m:num>
-                              <m:r>
-                                <a:rPr lang="en-US" i="1" smtClean="0">
-                                  <a:solidFill>
-                                    <a:srgbClr val="7030A0"/>
-                                  </a:solidFill>
-                                  <a:latin typeface="Cambria Math" panose="02040503050406030204" pitchFamily="18" charset="0"/>
-                                </a:rPr>
-                                <m:t>𝐺𝐵</m:t>
-                              </m:r>
-                              <m:r>
-                                <a:rPr lang="en-US" i="1">
-                                  <a:latin typeface="Cambria Math" panose="02040503050406030204" pitchFamily="18" charset="0"/>
-                                </a:rPr>
-                                <m:t> + </m:t>
-                              </m:r>
-                              <m:r>
-                                <a:rPr lang="en-US" i="1" smtClean="0">
-                                  <a:solidFill>
-                                    <a:srgbClr val="00B050"/>
-                                  </a:solidFill>
-                                  <a:latin typeface="Cambria Math" panose="02040503050406030204" pitchFamily="18" charset="0"/>
-                                </a:rPr>
-                                <m:t>𝑋𝐺</m:t>
-                              </m:r>
-                              <m:r>
-                                <a:rPr lang="en-US" i="1">
-                                  <a:latin typeface="Cambria Math" panose="02040503050406030204" pitchFamily="18" charset="0"/>
-                                </a:rPr>
-                                <m:t> + </m:t>
-                              </m:r>
-                              <m:r>
-                                <a:rPr lang="en-US" i="1" smtClean="0">
-                                  <a:solidFill>
-                                    <a:srgbClr val="00B0F0"/>
-                                  </a:solidFill>
-                                  <a:latin typeface="Cambria Math" panose="02040503050406030204" pitchFamily="18" charset="0"/>
-                                </a:rPr>
-                                <m:t>𝑁𝑁</m:t>
-                              </m:r>
-                            </m:num>
-                            <m:den>
-                              <m:r>
-                                <a:rPr lang="he-IL">
-                                  <a:latin typeface="Cambria Math" panose="02040503050406030204" pitchFamily="18" charset="0"/>
-                                </a:rPr>
-                                <m:t>3</m:t>
-                              </m:r>
-                            </m:den>
-                          </m:f>
-                        </m:e>
-                      </m:d>
-                      <m:r>
-                        <a:rPr lang="en-US">
-                          <a:latin typeface="Cambria Math" panose="02040503050406030204" pitchFamily="18" charset="0"/>
-                        </a:rPr>
-                        <m:t>+</m:t>
-                      </m:r>
-                      <m:r>
-                        <a:rPr lang="en-US" i="1">
-                          <a:latin typeface="Cambria Math" panose="02040503050406030204" pitchFamily="18" charset="0"/>
-                        </a:rPr>
-                        <m:t> .</m:t>
-                      </m:r>
-                      <m:r>
-                        <a:rPr lang="en-US" i="1">
-                          <a:latin typeface="Cambria Math" panose="02040503050406030204" pitchFamily="18" charset="0"/>
-                        </a:rPr>
-                        <m:t>3</m:t>
-                      </m:r>
-                      <m:r>
-                        <a:rPr lang="en-US" i="1">
-                          <a:latin typeface="Cambria Math" panose="02040503050406030204" pitchFamily="18" charset="0"/>
-                        </a:rPr>
-                        <m:t>∗</m:t>
-                      </m:r>
-                      <m:d>
-                        <m:dPr>
-                          <m:ctrlPr>
-                            <a:rPr lang="en-US" i="1">
-                              <a:latin typeface="Cambria Math" charset="0"/>
-                            </a:rPr>
-                          </m:ctrlPr>
-                        </m:dPr>
-                        <m:e>
-                          <m:r>
-                            <a:rPr lang="en-US" i="1" smtClean="0">
-                              <a:solidFill>
-                                <a:srgbClr val="C00000"/>
-                              </a:solidFill>
-                              <a:latin typeface="Cambria Math" panose="02040503050406030204" pitchFamily="18" charset="0"/>
-                            </a:rPr>
-                            <m:t>𝑊𝐴</m:t>
-                          </m:r>
-                          <m:r>
-                            <a:rPr lang="en-US" i="1">
-                              <a:latin typeface="Cambria Math" panose="02040503050406030204" pitchFamily="18" charset="0"/>
-                            </a:rPr>
-                            <m:t>∗</m:t>
-                          </m:r>
-                          <m:r>
-                            <a:rPr lang="en-US" i="1">
-                              <a:latin typeface="Cambria Math" panose="02040503050406030204" pitchFamily="18" charset="0"/>
-                            </a:rPr>
-                            <m:t>1</m:t>
-                          </m:r>
-                          <m:r>
-                            <a:rPr lang="en-US" i="1">
-                              <a:latin typeface="Cambria Math" panose="02040503050406030204" pitchFamily="18" charset="0"/>
-                            </a:rPr>
-                            <m:t>.</m:t>
-                          </m:r>
-                          <m:r>
-                            <a:rPr lang="en-US" i="1">
-                              <a:latin typeface="Cambria Math" panose="02040503050406030204" pitchFamily="18" charset="0"/>
-                            </a:rPr>
-                            <m:t>1</m:t>
-                          </m:r>
-                        </m:e>
-                      </m:d>
-                    </m:oMath>
-                  </m:oMathPara>
-                </a14:m>
-                <a:endParaRPr lang="en-US" dirty="0"/>
-              </a:p>
-              <a:p>
-                <a:endParaRPr lang="en-US" dirty="0"/>
+                <a:endParaRPr lang="en-US" dirty="0">
+                  <a:solidFill>
+                    <a:schemeClr val="tx1"/>
+                  </a:solidFill>
+                </a:endParaRPr>
               </a:p>
             </p:txBody>
           </p:sp>
@@ -23771,10 +24674,14 @@
               </p:nvPr>
             </p:nvSpPr>
             <p:spPr>
+              <a:xfrm>
+                <a:off x="838200" y="1825624"/>
+                <a:ext cx="10515600" cy="4666615"/>
+              </a:xfrm>
               <a:blipFill rotWithShape="0">
-                <a:blip r:embed="rId3"/>
+                <a:blip r:embed="rId2"/>
                 <a:stretch>
-                  <a:fillRect l="-1043" t="-2241"/>
+                  <a:fillRect l="-928" t="-2611"/>
                 </a:stretch>
               </a:blipFill>
             </p:spPr>
@@ -23796,7 +24703,7 @@
     </p:spTree>
     <p:extLst>
       <p:ext uri="{BB962C8B-B14F-4D97-AF65-F5344CB8AC3E}">
-        <p14:creationId xmlns:p14="http://schemas.microsoft.com/office/powerpoint/2010/main" val="1757927513"/>
+        <p14:creationId xmlns:p14="http://schemas.microsoft.com/office/powerpoint/2010/main" val="1563561513"/>
       </p:ext>
     </p:extLst>
   </p:cSld>
@@ -23835,13 +24742,114 @@
         </p:nvSpPr>
         <p:spPr/>
         <p:txBody>
+          <a:bodyPr>
+            <a:normAutofit/>
+          </a:bodyPr>
+          <a:lstStyle/>
+          <a:p>
+            <a:r>
+              <a:rPr lang="en-US" b="1" dirty="0"/>
+              <a:t>Models tested- </a:t>
+            </a:r>
+            <a:r>
+              <a:rPr lang="en-US" dirty="0">
+                <a:solidFill>
+                  <a:srgbClr val="C00000"/>
+                </a:solidFill>
+              </a:rPr>
+              <a:t>Weighted </a:t>
+            </a:r>
+            <a:r>
+              <a:rPr lang="en-US" dirty="0" smtClean="0">
+                <a:solidFill>
+                  <a:srgbClr val="C00000"/>
+                </a:solidFill>
+              </a:rPr>
+              <a:t>Average</a:t>
+            </a:r>
+            <a:endParaRPr lang="en-US" dirty="0"/>
+          </a:p>
+        </p:txBody>
+      </p:sp>
+      <p:sp>
+        <p:nvSpPr>
+          <p:cNvPr id="3" name="Content Placeholder 2"/>
+          <p:cNvSpPr>
+            <a:spLocks noGrp="1"/>
+          </p:cNvSpPr>
+          <p:nvPr>
+            <p:ph idx="1"/>
+          </p:nvPr>
+        </p:nvSpPr>
+        <p:spPr/>
+        <p:txBody>
           <a:bodyPr/>
           <a:lstStyle/>
           <a:p>
             <a:r>
-              <a:rPr lang="en-US" dirty="0"/>
-              <a:t>Results</a:t>
+              <a:rPr lang="en-US" dirty="0">
+                <a:solidFill>
+                  <a:srgbClr val="C00000"/>
+                </a:solidFill>
+              </a:rPr>
+              <a:t>Weighted Average (per weekday)</a:t>
             </a:r>
+          </a:p>
+          <a:p>
+            <a:endParaRPr lang="en-US" dirty="0"/>
+          </a:p>
+        </p:txBody>
+      </p:sp>
+    </p:spTree>
+    <p:extLst>
+      <p:ext uri="{BB962C8B-B14F-4D97-AF65-F5344CB8AC3E}">
+        <p14:creationId xmlns:p14="http://schemas.microsoft.com/office/powerpoint/2010/main" val="1420196973"/>
+      </p:ext>
+    </p:extLst>
+  </p:cSld>
+  <p:clrMapOvr>
+    <a:masterClrMapping/>
+  </p:clrMapOvr>
+</p:sld>
+</file>
+
+<file path=ppt/slides/slide8.xml><?xml version="1.0" encoding="utf-8"?>
+<p:sld xmlns:a="http://schemas.openxmlformats.org/drawingml/2006/main" xmlns:r="http://schemas.openxmlformats.org/officeDocument/2006/relationships" xmlns:p="http://schemas.openxmlformats.org/presentationml/2006/main">
+  <p:cSld>
+    <p:spTree>
+      <p:nvGrpSpPr>
+        <p:cNvPr id="1" name=""/>
+        <p:cNvGrpSpPr/>
+        <p:nvPr/>
+      </p:nvGrpSpPr>
+      <p:grpSpPr>
+        <a:xfrm>
+          <a:off x="0" y="0"/>
+          <a:ext cx="0" cy="0"/>
+          <a:chOff x="0" y="0"/>
+          <a:chExt cx="0" cy="0"/>
+        </a:xfrm>
+      </p:grpSpPr>
+      <p:sp>
+        <p:nvSpPr>
+          <p:cNvPr id="2" name="Title 1"/>
+          <p:cNvSpPr>
+            <a:spLocks noGrp="1"/>
+          </p:cNvSpPr>
+          <p:nvPr>
+            <p:ph type="title"/>
+          </p:nvPr>
+        </p:nvSpPr>
+        <p:spPr/>
+        <p:txBody>
+          <a:bodyPr/>
+          <a:lstStyle/>
+          <a:p>
+            <a:r>
+              <a:rPr lang="en-US" dirty="0" smtClean="0"/>
+              <a:t>Weighted Combination of Models</a:t>
+            </a:r>
+            <a:endParaRPr lang="en-US" dirty="0"/>
           </a:p>
         </p:txBody>
       </p:sp>
@@ -23864,23 +24872,183 @@
               <a:buNone/>
             </a:pPr>
             <a:r>
-              <a:rPr lang="en-US" dirty="0"/>
-              <a:t>Root Mean Squared</a:t>
-            </a:r>
-            <a:r>
-              <a:rPr lang="he-IL" dirty="0"/>
-              <a:t> </a:t>
+              <a:rPr lang="en-US" dirty="0" smtClean="0"/>
+              <a:t>					Relative </a:t>
             </a:r>
             <a:r>
               <a:rPr lang="en-US" dirty="0"/>
-              <a:t>Log Error = </a:t>
+              <a:t>Weight</a:t>
+            </a:r>
+            <a:endParaRPr lang="en-US" strike="sngStrike" dirty="0" smtClean="0"/>
+          </a:p>
+          <a:p>
+            <a:r>
+              <a:rPr lang="en-US" strike="sngStrike" dirty="0" smtClean="0"/>
+              <a:t>Random forest</a:t>
             </a:r>
             <a:r>
-              <a:rPr lang="en-US" b="1" dirty="0"/>
-              <a:t>0.482</a:t>
+              <a:rPr lang="en-US" dirty="0" smtClean="0"/>
+              <a:t>		</a:t>
+            </a:r>
+            <a:r>
+              <a:rPr lang="en-US" dirty="0" smtClean="0"/>
+              <a:t>	</a:t>
+            </a:r>
+            <a:r>
+              <a:rPr lang="en-US" dirty="0" smtClean="0"/>
+              <a:t>	    0%</a:t>
             </a:r>
           </a:p>
           <a:p>
+            <a:r>
+              <a:rPr lang="en-US" dirty="0" smtClean="0">
+                <a:solidFill>
+                  <a:srgbClr val="7030A0"/>
+                </a:solidFill>
+              </a:rPr>
+              <a:t>Gradient boosting	</a:t>
+            </a:r>
+            <a:r>
+              <a:rPr lang="en-US" dirty="0" smtClean="0">
+                <a:solidFill>
+                  <a:srgbClr val="7030A0"/>
+                </a:solidFill>
+              </a:rPr>
+              <a:t>	</a:t>
+            </a:r>
+            <a:r>
+              <a:rPr lang="en-US" dirty="0" smtClean="0">
+                <a:solidFill>
+                  <a:srgbClr val="7030A0"/>
+                </a:solidFill>
+              </a:rPr>
+              <a:t>	~22%</a:t>
+            </a:r>
+            <a:endParaRPr lang="en-US" dirty="0">
+              <a:solidFill>
+                <a:srgbClr val="7030A0"/>
+              </a:solidFill>
+            </a:endParaRPr>
+          </a:p>
+          <a:p>
+            <a:r>
+              <a:rPr lang="en-US" dirty="0">
+                <a:solidFill>
+                  <a:srgbClr val="00B050"/>
+                </a:solidFill>
+              </a:rPr>
+              <a:t>XG </a:t>
+            </a:r>
+            <a:r>
+              <a:rPr lang="en-US" dirty="0" smtClean="0">
+                <a:solidFill>
+                  <a:srgbClr val="00B050"/>
+                </a:solidFill>
+              </a:rPr>
+              <a:t>boost			</a:t>
+            </a:r>
+            <a:r>
+              <a:rPr lang="en-US" dirty="0" smtClean="0">
+                <a:solidFill>
+                  <a:srgbClr val="00B050"/>
+                </a:solidFill>
+              </a:rPr>
+              <a:t>	</a:t>
+            </a:r>
+            <a:r>
+              <a:rPr lang="en-US" dirty="0" smtClean="0">
+                <a:solidFill>
+                  <a:srgbClr val="00B050"/>
+                </a:solidFill>
+              </a:rPr>
+              <a:t>	~22%</a:t>
+            </a:r>
+            <a:endParaRPr lang="en-US" dirty="0">
+              <a:solidFill>
+                <a:srgbClr val="00B050"/>
+              </a:solidFill>
+            </a:endParaRPr>
+          </a:p>
+          <a:p>
+            <a:r>
+              <a:rPr lang="en-US" dirty="0">
+                <a:solidFill>
+                  <a:srgbClr val="00B0F0"/>
+                </a:solidFill>
+              </a:rPr>
+              <a:t>Neural </a:t>
+            </a:r>
+            <a:r>
+              <a:rPr lang="en-US" dirty="0" smtClean="0">
+                <a:solidFill>
+                  <a:srgbClr val="00B0F0"/>
+                </a:solidFill>
+              </a:rPr>
+              <a:t>Network 		</a:t>
+            </a:r>
+            <a:r>
+              <a:rPr lang="en-US" dirty="0" smtClean="0">
+                <a:solidFill>
+                  <a:srgbClr val="00B0F0"/>
+                </a:solidFill>
+              </a:rPr>
+              <a:t>	</a:t>
+            </a:r>
+            <a:r>
+              <a:rPr lang="en-US" dirty="0" smtClean="0">
+                <a:solidFill>
+                  <a:srgbClr val="00B0F0"/>
+                </a:solidFill>
+              </a:rPr>
+              <a:t>	~22%</a:t>
+            </a:r>
+            <a:endParaRPr lang="en-US" dirty="0">
+              <a:solidFill>
+                <a:srgbClr val="00B0F0"/>
+              </a:solidFill>
+            </a:endParaRPr>
+          </a:p>
+          <a:p>
+            <a:r>
+              <a:rPr lang="en-US" dirty="0">
+                <a:solidFill>
+                  <a:srgbClr val="C00000"/>
+                </a:solidFill>
+              </a:rPr>
+              <a:t>Weighted Average </a:t>
+            </a:r>
+            <a:r>
+              <a:rPr lang="en-US" dirty="0" smtClean="0">
+                <a:solidFill>
+                  <a:srgbClr val="C00000"/>
+                </a:solidFill>
+              </a:rPr>
+              <a:t>	</a:t>
+            </a:r>
+            <a:r>
+              <a:rPr lang="en-US" dirty="0" smtClean="0">
+                <a:solidFill>
+                  <a:srgbClr val="C00000"/>
+                </a:solidFill>
+              </a:rPr>
+              <a:t>	</a:t>
+            </a:r>
+            <a:r>
+              <a:rPr lang="en-US" dirty="0" smtClean="0">
+                <a:solidFill>
+                  <a:srgbClr val="C00000"/>
+                </a:solidFill>
+              </a:rPr>
+              <a:t>	~34</a:t>
+            </a:r>
+            <a:r>
+              <a:rPr lang="en-US" dirty="0" smtClean="0">
+                <a:solidFill>
+                  <a:srgbClr val="C00000"/>
+                </a:solidFill>
+              </a:rPr>
+              <a:t>%</a:t>
+            </a:r>
             <a:endParaRPr lang="en-US" dirty="0"/>
           </a:p>
           <a:p>
@@ -23888,40 +25056,754 @@
           </a:p>
         </p:txBody>
       </p:sp>
-      <p:pic>
-        <p:nvPicPr>
-          <p:cNvPr id="4" name="Picture 3"/>
-          <p:cNvPicPr>
-            <a:picLocks noChangeAspect="1"/>
-          </p:cNvPicPr>
-          <p:nvPr/>
-        </p:nvPicPr>
-        <p:blipFill>
-          <a:blip r:embed="rId2">
-            <a:extLst>
-              <a:ext uri="{28A0092B-C50C-407E-A947-70E740481C1C}">
-                <a14:useLocalDpi xmlns:a14="http://schemas.microsoft.com/office/drawing/2010/main" val="0"/>
-              </a:ext>
-            </a:extLst>
-          </a:blip>
-          <a:stretch>
-            <a:fillRect/>
-          </a:stretch>
-        </p:blipFill>
-        <p:spPr>
-          <a:xfrm>
-            <a:off x="6844552" y="504263"/>
-            <a:ext cx="4658659" cy="8267479"/>
-          </a:xfrm>
-          <a:prstGeom prst="rect">
-            <a:avLst/>
-          </a:prstGeom>
-        </p:spPr>
-      </p:pic>
     </p:spTree>
     <p:extLst>
       <p:ext uri="{BB962C8B-B14F-4D97-AF65-F5344CB8AC3E}">
-        <p14:creationId xmlns:p14="http://schemas.microsoft.com/office/powerpoint/2010/main" val="2104248046"/>
+        <p14:creationId xmlns:p14="http://schemas.microsoft.com/office/powerpoint/2010/main" val="516993685"/>
+      </p:ext>
+    </p:extLst>
+  </p:cSld>
+  <p:clrMapOvr>
+    <a:masterClrMapping/>
+  </p:clrMapOvr>
+</p:sld>
+</file>
+
+<file path=ppt/slides/slide9.xml><?xml version="1.0" encoding="utf-8"?>
+<p:sld xmlns:a="http://schemas.openxmlformats.org/drawingml/2006/main" xmlns:r="http://schemas.openxmlformats.org/officeDocument/2006/relationships" xmlns:p="http://schemas.openxmlformats.org/presentationml/2006/main">
+  <p:cSld>
+    <p:spTree>
+      <p:nvGrpSpPr>
+        <p:cNvPr id="1" name=""/>
+        <p:cNvGrpSpPr/>
+        <p:nvPr/>
+      </p:nvGrpSpPr>
+      <p:grpSpPr>
+        <a:xfrm>
+          <a:off x="0" y="0"/>
+          <a:ext cx="0" cy="0"/>
+          <a:chOff x="0" y="0"/>
+          <a:chExt cx="0" cy="0"/>
+        </a:xfrm>
+      </p:grpSpPr>
+      <p:sp>
+        <p:nvSpPr>
+          <p:cNvPr id="2" name="Title 1"/>
+          <p:cNvSpPr>
+            <a:spLocks noGrp="1"/>
+          </p:cNvSpPr>
+          <p:nvPr>
+            <p:ph type="title"/>
+          </p:nvPr>
+        </p:nvSpPr>
+        <p:spPr/>
+        <p:txBody>
+          <a:bodyPr/>
+          <a:lstStyle/>
+          <a:p>
+            <a:r>
+              <a:rPr lang="en-US" dirty="0" smtClean="0"/>
+              <a:t>Prediction</a:t>
+            </a:r>
+            <a:endParaRPr lang="en-US" dirty="0"/>
+          </a:p>
+        </p:txBody>
+      </p:sp>
+      <mc:AlternateContent xmlns:mc="http://schemas.openxmlformats.org/markup-compatibility/2006">
+        <mc:Choice xmlns:a14="http://schemas.microsoft.com/office/drawing/2010/main" Requires="a14">
+          <p:sp>
+            <p:nvSpPr>
+              <p:cNvPr id="3" name="Content Placeholder 2"/>
+              <p:cNvSpPr>
+                <a:spLocks noGrp="1"/>
+              </p:cNvSpPr>
+              <p:nvPr>
+                <p:ph idx="1"/>
+              </p:nvPr>
+            </p:nvSpPr>
+            <p:spPr>
+              <a:xfrm>
+                <a:off x="272716" y="1825625"/>
+                <a:ext cx="11630526" cy="4270375"/>
+              </a:xfrm>
+            </p:spPr>
+            <p:txBody>
+              <a:bodyPr>
+                <a:normAutofit fontScale="92500" lnSpcReduction="10000"/>
+              </a:bodyPr>
+              <a:lstStyle/>
+              <a:p>
+                <a:r>
+                  <a:rPr lang="en-US" sz="3200" dirty="0" smtClean="0"/>
+                  <a:t>For </a:t>
+                </a:r>
+                <a:r>
+                  <a:rPr lang="en-US" sz="3200" dirty="0" smtClean="0">
+                    <a:solidFill>
+                      <a:srgbClr val="7030A0"/>
+                    </a:solidFill>
+                  </a:rPr>
+                  <a:t>Gradient boosting, </a:t>
+                </a:r>
+                <a:r>
+                  <a:rPr lang="en-US" sz="3200" dirty="0" smtClean="0">
+                    <a:solidFill>
+                      <a:srgbClr val="00B050"/>
+                    </a:solidFill>
+                  </a:rPr>
+                  <a:t>XG boost, </a:t>
+                </a:r>
+                <a:r>
+                  <a:rPr lang="en-US" sz="3200" dirty="0" smtClean="0">
+                    <a:solidFill>
+                      <a:srgbClr val="00B0F0"/>
+                    </a:solidFill>
+                  </a:rPr>
+                  <a:t>Neural Network:</a:t>
+                </a:r>
+              </a:p>
+              <a:p>
+                <a:endParaRPr lang="en-US" sz="3200" i="1" dirty="0"/>
+              </a:p>
+              <a:p>
+                <a:pPr lvl="1"/>
+                <a14:m>
+                  <m:oMath xmlns:m="http://schemas.openxmlformats.org/officeDocument/2006/math">
+                    <m:r>
+                      <a:rPr lang="en-US" b="1" i="1"/>
+                      <m:t>𝑷</m:t>
+                    </m:r>
+                    <m:r>
+                      <a:rPr lang="en-US" b="1" i="1"/>
+                      <m:t>𝟏</m:t>
+                    </m:r>
+                    <m:r>
+                      <a:rPr lang="en-US" i="1"/>
+                      <m:t>≡</m:t>
+                    </m:r>
+                    <m:func>
+                      <m:funcPr>
+                        <m:ctrlPr>
+                          <a:rPr lang="en-US" i="1"/>
+                        </m:ctrlPr>
+                      </m:funcPr>
+                      <m:fName>
+                        <m:f>
+                          <m:fPr>
+                            <m:ctrlPr>
+                              <a:rPr lang="en-US" i="1"/>
+                            </m:ctrlPr>
+                          </m:fPr>
+                          <m:num>
+                            <m:r>
+                              <a:rPr lang="en-US"/>
+                              <m:t>1</m:t>
+                            </m:r>
+                          </m:num>
+                          <m:den>
+                            <m:r>
+                              <a:rPr lang="en-US"/>
+                              <m:t>3</m:t>
+                            </m:r>
+                          </m:den>
+                        </m:f>
+                        <m:r>
+                          <a:rPr lang="en-US"/>
+                          <m:t>(</m:t>
+                        </m:r>
+                        <m:r>
+                          <m:rPr>
+                            <m:sty m:val="p"/>
+                          </m:rPr>
+                          <a:rPr lang="en-US"/>
+                          <m:t>ln</m:t>
+                        </m:r>
+                      </m:fName>
+                      <m:e>
+                        <m:d>
+                          <m:dPr>
+                            <m:ctrlPr>
+                              <a:rPr lang="en-US" i="1"/>
+                            </m:ctrlPr>
+                          </m:dPr>
+                          <m:e>
+                            <m:r>
+                              <a:rPr lang="en-US" i="1" smtClean="0">
+                                <a:solidFill>
+                                  <a:srgbClr val="7030A0"/>
+                                </a:solidFill>
+                              </a:rPr>
+                              <m:t>𝐺𝐵</m:t>
+                            </m:r>
+                            <m:r>
+                              <a:rPr lang="en-US" i="1"/>
+                              <m:t>+1</m:t>
+                            </m:r>
+                          </m:e>
+                        </m:d>
+                        <m:r>
+                          <a:rPr lang="en-US" i="1"/>
+                          <m:t>+</m:t>
+                        </m:r>
+                        <m:func>
+                          <m:funcPr>
+                            <m:ctrlPr>
+                              <a:rPr lang="en-US" i="1"/>
+                            </m:ctrlPr>
+                          </m:funcPr>
+                          <m:fName>
+                            <m:r>
+                              <m:rPr>
+                                <m:sty m:val="p"/>
+                              </m:rPr>
+                              <a:rPr lang="en-US"/>
+                              <m:t>ln</m:t>
+                            </m:r>
+                            <m:r>
+                              <a:rPr lang="en-US" i="1"/>
+                              <m:t>⁡</m:t>
+                            </m:r>
+                            <m:r>
+                              <a:rPr lang="en-US"/>
+                              <m:t>(</m:t>
+                            </m:r>
+                          </m:fName>
+                          <m:e>
+                            <m:r>
+                              <a:rPr lang="en-US" i="1" smtClean="0">
+                                <a:solidFill>
+                                  <a:srgbClr val="00B050"/>
+                                </a:solidFill>
+                              </a:rPr>
+                              <m:t>𝑋𝐺</m:t>
+                            </m:r>
+                            <m:r>
+                              <a:rPr lang="en-US" i="1"/>
+                              <m:t>+1) + </m:t>
+                            </m:r>
+                            <m:func>
+                              <m:funcPr>
+                                <m:ctrlPr>
+                                  <a:rPr lang="en-US" i="1"/>
+                                </m:ctrlPr>
+                              </m:funcPr>
+                              <m:fName>
+                                <m:r>
+                                  <m:rPr>
+                                    <m:sty m:val="p"/>
+                                  </m:rPr>
+                                  <a:rPr lang="en-US"/>
+                                  <m:t>ln</m:t>
+                                </m:r>
+                              </m:fName>
+                              <m:e>
+                                <m:d>
+                                  <m:dPr>
+                                    <m:ctrlPr>
+                                      <a:rPr lang="en-US" i="1"/>
+                                    </m:ctrlPr>
+                                  </m:dPr>
+                                  <m:e>
+                                    <m:r>
+                                      <a:rPr lang="en-US" i="1" smtClean="0">
+                                        <a:solidFill>
+                                          <a:srgbClr val="00B0F0"/>
+                                        </a:solidFill>
+                                      </a:rPr>
+                                      <m:t>𝑁𝑁</m:t>
+                                    </m:r>
+                                    <m:r>
+                                      <a:rPr lang="en-US" i="1"/>
+                                      <m:t>+1</m:t>
+                                    </m:r>
+                                  </m:e>
+                                </m:d>
+                              </m:e>
+                            </m:func>
+                          </m:e>
+                        </m:func>
+                      </m:e>
+                    </m:func>
+                    <m:r>
+                      <a:rPr lang="en-US" i="1"/>
+                      <m:t>)</m:t>
+                    </m:r>
+                    <m:r>
+                      <a:rPr lang="en-US" b="0" i="1" smtClean="0">
+                        <a:latin typeface="Cambria Math" charset="0"/>
+                      </a:rPr>
+                      <m:t> </m:t>
+                    </m:r>
+                  </m:oMath>
+                </a14:m>
+                <a:r>
+                  <a:rPr lang="en-US" dirty="0" smtClean="0"/>
+                  <a:t>,</a:t>
+                </a:r>
+                <a:r>
+                  <a:rPr lang="en-US" sz="1800" dirty="0" smtClean="0"/>
+                  <a:t>	</a:t>
+                </a:r>
+                <a:r>
+                  <a:rPr lang="en-US" sz="2800" dirty="0" smtClean="0"/>
+                  <a:t> </a:t>
+                </a:r>
+                <a14:m>
+                  <m:oMath xmlns:m="http://schemas.openxmlformats.org/officeDocument/2006/math">
+                    <m:acc>
+                      <m:accPr>
+                        <m:chr m:val="̃"/>
+                        <m:ctrlPr>
+                          <a:rPr lang="en-US" sz="2600" i="1">
+                            <a:latin typeface="Cambria Math" charset="0"/>
+                          </a:rPr>
+                        </m:ctrlPr>
+                      </m:accPr>
+                      <m:e>
+                        <m:r>
+                          <a:rPr lang="en-US" sz="2600" i="1">
+                            <a:latin typeface="Cambria Math" charset="0"/>
+                          </a:rPr>
+                          <m:t>𝑃</m:t>
+                        </m:r>
+                        <m:r>
+                          <a:rPr lang="en-US" sz="2600" i="1">
+                            <a:latin typeface="Cambria Math" charset="0"/>
+                          </a:rPr>
+                          <m:t>1</m:t>
+                        </m:r>
+                      </m:e>
+                    </m:acc>
+                    <m:r>
+                      <a:rPr lang="en-US" sz="2600" i="1">
+                        <a:latin typeface="Cambria Math" charset="0"/>
+                      </a:rPr>
+                      <m:t>≡</m:t>
+                    </m:r>
+                    <m:func>
+                      <m:funcPr>
+                        <m:ctrlPr>
+                          <a:rPr lang="en-US" sz="2600" i="1">
+                            <a:latin typeface="Cambria Math" charset="0"/>
+                          </a:rPr>
+                        </m:ctrlPr>
+                      </m:funcPr>
+                      <m:fName>
+                        <m:r>
+                          <m:rPr>
+                            <m:sty m:val="p"/>
+                          </m:rPr>
+                          <a:rPr lang="en-US" sz="2600">
+                            <a:latin typeface="Cambria Math" charset="0"/>
+                          </a:rPr>
+                          <m:t>exp</m:t>
+                        </m:r>
+                        <m:r>
+                          <a:rPr lang="en-US" sz="2600" i="1">
+                            <a:latin typeface="Cambria Math" charset="0"/>
+                          </a:rPr>
+                          <m:t> </m:t>
+                        </m:r>
+                      </m:fName>
+                      <m:e>
+                        <m:r>
+                          <a:rPr lang="en-US" sz="2600" i="1">
+                            <a:latin typeface="Cambria Math" charset="0"/>
+                          </a:rPr>
+                          <m:t>.</m:t>
+                        </m:r>
+                        <m:d>
+                          <m:dPr>
+                            <m:ctrlPr>
+                              <a:rPr lang="en-US" sz="2600" i="1">
+                                <a:latin typeface="Cambria Math" charset="0"/>
+                              </a:rPr>
+                            </m:ctrlPr>
+                          </m:dPr>
+                          <m:e>
+                            <m:r>
+                              <a:rPr lang="en-US" sz="2600" i="1">
+                                <a:latin typeface="Cambria Math" charset="0"/>
+                              </a:rPr>
+                              <m:t>𝑃</m:t>
+                            </m:r>
+                            <m:r>
+                              <a:rPr lang="en-US" sz="2600" i="1">
+                                <a:latin typeface="Cambria Math" charset="0"/>
+                              </a:rPr>
+                              <m:t>1</m:t>
+                            </m:r>
+                          </m:e>
+                        </m:d>
+                        <m:r>
+                          <a:rPr lang="en-US" sz="2600" i="1">
+                            <a:latin typeface="Cambria Math" charset="0"/>
+                          </a:rPr>
+                          <m:t>−1</m:t>
+                        </m:r>
+                      </m:e>
+                    </m:func>
+                  </m:oMath>
+                </a14:m>
+                <a:endParaRPr lang="en-US" sz="2800" dirty="0" smtClean="0"/>
+              </a:p>
+              <a:p>
+                <a:endParaRPr lang="en-US" sz="3200" dirty="0" smtClean="0"/>
+              </a:p>
+              <a:p>
+                <a:r>
+                  <a:rPr lang="en-US" sz="3200" dirty="0" smtClean="0"/>
+                  <a:t>For </a:t>
+                </a:r>
+                <a:r>
+                  <a:rPr lang="en-US" sz="3200" dirty="0" smtClean="0">
+                    <a:solidFill>
+                      <a:srgbClr val="C00000"/>
+                    </a:solidFill>
+                  </a:rPr>
+                  <a:t>Weighted </a:t>
+                </a:r>
+                <a:r>
+                  <a:rPr lang="en-US" sz="3200" dirty="0">
+                    <a:solidFill>
+                      <a:srgbClr val="C00000"/>
+                    </a:solidFill>
+                  </a:rPr>
+                  <a:t>Average</a:t>
+                </a:r>
+                <a:endParaRPr lang="en-US" sz="3200" i="1" dirty="0" smtClean="0"/>
+              </a:p>
+              <a:p>
+                <a:pPr lvl="1"/>
+                <a14:m>
+                  <m:oMath xmlns:m="http://schemas.openxmlformats.org/officeDocument/2006/math">
+                    <m:r>
+                      <a:rPr lang="en-US" sz="2800" b="1" i="1"/>
+                      <m:t>𝑷</m:t>
+                    </m:r>
+                    <m:r>
+                      <a:rPr lang="en-US" sz="2800" b="1" i="1"/>
+                      <m:t>𝟐</m:t>
+                    </m:r>
+                    <m:r>
+                      <a:rPr lang="en-US" sz="2800" i="1"/>
+                      <m:t>≡</m:t>
+                    </m:r>
+                    <m:func>
+                      <m:funcPr>
+                        <m:ctrlPr>
+                          <a:rPr lang="en-US" sz="2800" i="1"/>
+                        </m:ctrlPr>
+                      </m:funcPr>
+                      <m:fName>
+                        <m:r>
+                          <m:rPr>
+                            <m:sty m:val="p"/>
+                          </m:rPr>
+                          <a:rPr lang="en-US" sz="2800"/>
+                          <m:t>ln</m:t>
+                        </m:r>
+                      </m:fName>
+                      <m:e>
+                        <m:d>
+                          <m:dPr>
+                            <m:ctrlPr>
+                              <a:rPr lang="en-US" sz="2800" i="1"/>
+                            </m:ctrlPr>
+                          </m:dPr>
+                          <m:e>
+                            <m:r>
+                              <a:rPr lang="en-US" sz="2800" i="1">
+                                <a:solidFill>
+                                  <a:srgbClr val="C00000"/>
+                                </a:solidFill>
+                                <a:latin typeface="Cambria Math" panose="02040503050406030204" pitchFamily="18" charset="0"/>
+                              </a:rPr>
+                              <m:t>𝑊𝐴</m:t>
+                            </m:r>
+                            <m:r>
+                              <a:rPr lang="en-US" sz="2800" i="1"/>
+                              <m:t>+1</m:t>
+                            </m:r>
+                          </m:e>
+                        </m:d>
+                      </m:e>
+                    </m:func>
+                    <m:r>
+                      <a:rPr lang="en-US" sz="2800" b="0" i="1" smtClean="0">
+                        <a:latin typeface="Cambria Math" charset="0"/>
+                      </a:rPr>
+                      <m:t> , </m:t>
+                    </m:r>
+                  </m:oMath>
+                </a14:m>
+                <a:r>
+                  <a:rPr lang="en-US" sz="2800" dirty="0" smtClean="0"/>
+                  <a:t>				 	</a:t>
+                </a:r>
+                <a14:m>
+                  <m:oMath xmlns:m="http://schemas.openxmlformats.org/officeDocument/2006/math">
+                    <m:acc>
+                      <m:accPr>
+                        <m:chr m:val="̃"/>
+                        <m:ctrlPr>
+                          <a:rPr lang="en-US" sz="2800" i="1">
+                            <a:latin typeface="Cambria Math" charset="0"/>
+                          </a:rPr>
+                        </m:ctrlPr>
+                      </m:accPr>
+                      <m:e>
+                        <m:r>
+                          <a:rPr lang="en-US" sz="2800" i="1">
+                            <a:latin typeface="Cambria Math" charset="0"/>
+                          </a:rPr>
+                          <m:t>𝑃</m:t>
+                        </m:r>
+                        <m:r>
+                          <a:rPr lang="en-US" sz="2800" i="1">
+                            <a:latin typeface="Cambria Math" charset="0"/>
+                          </a:rPr>
+                          <m:t>2</m:t>
+                        </m:r>
+                      </m:e>
+                    </m:acc>
+                    <m:r>
+                      <a:rPr lang="en-US" sz="2800" i="1"/>
+                      <m:t>≡</m:t>
+                    </m:r>
+                    <m:func>
+                      <m:funcPr>
+                        <m:ctrlPr>
+                          <a:rPr lang="en-US" sz="2800" i="1">
+                            <a:latin typeface="Cambria Math" charset="0"/>
+                          </a:rPr>
+                        </m:ctrlPr>
+                      </m:funcPr>
+                      <m:fName>
+                        <m:r>
+                          <m:rPr>
+                            <m:sty m:val="p"/>
+                          </m:rPr>
+                          <a:rPr lang="en-US" sz="2800">
+                            <a:latin typeface="Cambria Math" charset="0"/>
+                          </a:rPr>
+                          <m:t>exp</m:t>
+                        </m:r>
+                      </m:fName>
+                      <m:e>
+                        <m:d>
+                          <m:dPr>
+                            <m:ctrlPr>
+                              <a:rPr lang="en-US" sz="2800" i="1">
+                                <a:latin typeface="Cambria Math" charset="0"/>
+                              </a:rPr>
+                            </m:ctrlPr>
+                          </m:dPr>
+                          <m:e>
+                            <m:r>
+                              <a:rPr lang="en-US" sz="2800" i="1">
+                                <a:latin typeface="Cambria Math" charset="0"/>
+                              </a:rPr>
+                              <m:t>𝑃</m:t>
+                            </m:r>
+                            <m:r>
+                              <a:rPr lang="en-US" sz="2800" i="1">
+                                <a:latin typeface="Cambria Math" charset="0"/>
+                              </a:rPr>
+                              <m:t>2</m:t>
+                            </m:r>
+                          </m:e>
+                        </m:d>
+                        <m:r>
+                          <a:rPr lang="en-US" sz="2800" i="1">
+                            <a:latin typeface="Cambria Math" charset="0"/>
+                          </a:rPr>
+                          <m:t>−1</m:t>
+                        </m:r>
+                      </m:e>
+                    </m:func>
+                  </m:oMath>
+                </a14:m>
+                <a:endParaRPr lang="en-US" sz="2800" dirty="0" smtClean="0">
+                  <a:solidFill>
+                    <a:srgbClr val="00B0F0"/>
+                  </a:solidFill>
+                </a:endParaRPr>
+              </a:p>
+              <a:p>
+                <a:endParaRPr lang="en-US" dirty="0" smtClean="0"/>
+              </a:p>
+              <a:p>
+                <a:endParaRPr lang="en-US" dirty="0"/>
+              </a:p>
+              <a:p>
+                <a:pPr marL="0" indent="0">
+                  <a:buNone/>
+                </a:pPr>
+                <a14:m>
+                  <m:oMathPara xmlns:m="http://schemas.openxmlformats.org/officeDocument/2006/math">
+                    <m:oMathParaPr>
+                      <m:jc m:val="centerGroup"/>
+                    </m:oMathParaPr>
+                    <m:oMath xmlns:m="http://schemas.openxmlformats.org/officeDocument/2006/math">
+                      <m:r>
+                        <a:rPr lang="en-US" sz="3500" b="1" i="1" smtClean="0">
+                          <a:latin typeface="Cambria Math" panose="02040503050406030204" pitchFamily="18" charset="0"/>
+                        </a:rPr>
+                        <m:t>𝐏𝐫𝐞𝐝𝐢𝐜𝐭𝐢𝐨𝐧</m:t>
+                      </m:r>
+                      <m:r>
+                        <a:rPr lang="en-US" sz="3500">
+                          <a:latin typeface="Cambria Math" panose="02040503050406030204" pitchFamily="18" charset="0"/>
+                        </a:rPr>
+                        <m:t>=</m:t>
+                      </m:r>
+                      <m:r>
+                        <a:rPr lang="en-US" sz="3500" b="0" i="0" smtClean="0">
+                          <a:latin typeface="Cambria Math" charset="0"/>
+                        </a:rPr>
+                        <m:t>0</m:t>
+                      </m:r>
+                      <m:r>
+                        <a:rPr lang="en-US" sz="3500">
+                          <a:latin typeface="Cambria Math" panose="02040503050406030204" pitchFamily="18" charset="0"/>
+                        </a:rPr>
+                        <m:t>.7</m:t>
+                      </m:r>
+                      <m:r>
+                        <a:rPr lang="en-US" sz="3500" b="0" i="1" smtClean="0">
+                          <a:latin typeface="Cambria Math" charset="0"/>
+                        </a:rPr>
+                        <m:t>∗</m:t>
+                      </m:r>
+                      <m:acc>
+                        <m:accPr>
+                          <m:chr m:val="̃"/>
+                          <m:ctrlPr>
+                            <a:rPr lang="en-US" sz="3500" i="1">
+                              <a:latin typeface="Cambria Math" charset="0"/>
+                            </a:rPr>
+                          </m:ctrlPr>
+                        </m:accPr>
+                        <m:e>
+                          <m:r>
+                            <a:rPr lang="en-US" sz="3500" i="1">
+                              <a:latin typeface="Cambria Math" charset="0"/>
+                            </a:rPr>
+                            <m:t>𝑃</m:t>
+                          </m:r>
+                          <m:r>
+                            <a:rPr lang="en-US" sz="3500" b="0" i="1" smtClean="0">
+                              <a:latin typeface="Cambria Math" charset="0"/>
+                            </a:rPr>
+                            <m:t>1</m:t>
+                          </m:r>
+                        </m:e>
+                      </m:acc>
+                      <m:r>
+                        <a:rPr lang="en-US" sz="3500">
+                          <a:latin typeface="Cambria Math" panose="02040503050406030204" pitchFamily="18" charset="0"/>
+                        </a:rPr>
+                        <m:t>+</m:t>
+                      </m:r>
+                      <m:r>
+                        <a:rPr lang="en-US" sz="3500" b="0" i="1" smtClean="0">
+                          <a:latin typeface="Cambria Math" charset="0"/>
+                        </a:rPr>
+                        <m:t>0</m:t>
+                      </m:r>
+                      <m:r>
+                        <a:rPr lang="en-US" sz="3500" i="1">
+                          <a:latin typeface="Cambria Math" panose="02040503050406030204" pitchFamily="18" charset="0"/>
+                        </a:rPr>
+                        <m:t>.3∗</m:t>
+                      </m:r>
+                      <m:r>
+                        <a:rPr lang="en-US" sz="3500" b="0" i="1" smtClean="0">
+                          <a:latin typeface="Cambria Math" charset="0"/>
+                        </a:rPr>
+                        <m:t>(1.1∗</m:t>
+                      </m:r>
+                      <m:acc>
+                        <m:accPr>
+                          <m:chr m:val="̃"/>
+                          <m:ctrlPr>
+                            <a:rPr lang="en-US" sz="3500" i="1">
+                              <a:latin typeface="Cambria Math" charset="0"/>
+                            </a:rPr>
+                          </m:ctrlPr>
+                        </m:accPr>
+                        <m:e>
+                          <m:r>
+                            <a:rPr lang="en-US" sz="3500" i="1">
+                              <a:latin typeface="Cambria Math" charset="0"/>
+                            </a:rPr>
+                            <m:t>𝑃</m:t>
+                          </m:r>
+                          <m:r>
+                            <a:rPr lang="en-US" sz="3500" i="1">
+                              <a:latin typeface="Cambria Math" charset="0"/>
+                            </a:rPr>
+                            <m:t>2</m:t>
+                          </m:r>
+                        </m:e>
+                      </m:acc>
+                      <m:r>
+                        <a:rPr lang="en-US" sz="3500" b="0" i="1" smtClean="0">
+                          <a:latin typeface="Cambria Math" charset="0"/>
+                        </a:rPr>
+                        <m:t>)</m:t>
+                      </m:r>
+                    </m:oMath>
+                  </m:oMathPara>
+                </a14:m>
+                <a:endParaRPr lang="en-US" sz="3000" dirty="0"/>
+              </a:p>
+            </p:txBody>
+          </p:sp>
+        </mc:Choice>
+        <mc:Fallback>
+          <p:sp>
+            <p:nvSpPr>
+              <p:cNvPr id="3" name="Content Placeholder 2"/>
+              <p:cNvSpPr>
+                <a:spLocks noGrp="1" noRot="1" noChangeAspect="1" noMove="1" noResize="1" noEditPoints="1" noAdjustHandles="1" noChangeArrowheads="1" noChangeShapeType="1" noTextEdit="1"/>
+              </p:cNvSpPr>
+              <p:nvPr>
+                <p:ph idx="1"/>
+              </p:nvPr>
+            </p:nvSpPr>
+            <p:spPr>
+              <a:xfrm>
+                <a:off x="272716" y="1825625"/>
+                <a:ext cx="11630526" cy="4270375"/>
+              </a:xfrm>
+              <a:blipFill rotWithShape="0">
+                <a:blip r:embed="rId3"/>
+                <a:stretch>
+                  <a:fillRect l="-1101" t="-3709"/>
+                </a:stretch>
+              </a:blipFill>
+            </p:spPr>
+            <p:txBody>
+              <a:bodyPr/>
+              <a:lstStyle/>
+              <a:p>
+                <a:r>
+                  <a:rPr lang="en-US">
+                    <a:noFill/>
+                  </a:rPr>
+                  <a:t> </a:t>
+                </a:r>
+              </a:p>
+            </p:txBody>
+          </p:sp>
+        </mc:Fallback>
+      </mc:AlternateContent>
+    </p:spTree>
+    <p:extLst>
+      <p:ext uri="{BB962C8B-B14F-4D97-AF65-F5344CB8AC3E}">
+        <p14:creationId xmlns:p14="http://schemas.microsoft.com/office/powerpoint/2010/main" val="1757927513"/>
       </p:ext>
     </p:extLst>
   </p:cSld>

--- a/final_pres.pptx
+++ b/final_pres.pptx
@@ -24394,7 +24394,13 @@
                           <a:rPr lang="en-US" i="1">
                             <a:latin typeface="Cambria Math" charset="0"/>
                           </a:rPr>
-                          <m:t>1+</m:t>
+                          <m:t>1</m:t>
+                        </m:r>
+                        <m:r>
+                          <a:rPr lang="en-US" i="1">
+                            <a:latin typeface="Cambria Math" charset="0"/>
+                          </a:rPr>
+                          <m:t>+</m:t>
                         </m:r>
                         <m:sSup>
                           <m:sSupPr>
@@ -24547,7 +24553,16 @@
                                 </a:solidFill>
                                 <a:latin typeface="Cambria Math" charset="0"/>
                               </a:rPr>
-                              <m:t>&gt;0</m:t>
+                              <m:t>&gt;</m:t>
+                            </m:r>
+                            <m:r>
+                              <a:rPr lang="en-US" i="1">
+                                <a:solidFill>
+                                  <a:srgbClr val="FF0000"/>
+                                </a:solidFill>
+                                <a:latin typeface="Cambria Math" charset="0"/>
+                              </a:rPr>
+                              <m:t>0</m:t>
                             </m:r>
                           </m:e>
                           <m:e>
@@ -24558,7 +24573,16 @@
                                 </a:solidFill>
                                 <a:latin typeface="Cambria Math" charset="0"/>
                               </a:rPr>
-                              <m:t>0 , </m:t>
+                              <m:t>0</m:t>
+                            </m:r>
+                            <m:r>
+                              <a:rPr lang="en-US" i="1">
+                                <a:solidFill>
+                                  <a:srgbClr val="FF0000"/>
+                                </a:solidFill>
+                                <a:latin typeface="Cambria Math" charset="0"/>
+                              </a:rPr>
+                              <m:t> , </m:t>
                             </m:r>
                             <m:r>
                               <a:rPr lang="en-US" i="1">
@@ -24576,7 +24600,16 @@
                                 </a:solidFill>
                                 <a:latin typeface="Cambria Math" charset="0"/>
                               </a:rPr>
-                              <m:t>≤0</m:t>
+                              <m:t>≤</m:t>
+                            </m:r>
+                            <m:r>
+                              <a:rPr lang="en-US" i="1">
+                                <a:solidFill>
+                                  <a:srgbClr val="FF0000"/>
+                                </a:solidFill>
+                                <a:latin typeface="Cambria Math" charset="0"/>
+                              </a:rPr>
+                              <m:t>0</m:t>
                             </m:r>
                           </m:e>
                         </m:eqArr>
@@ -24814,7 +24847,7 @@
 </file>
 
 <file path=ppt/slides/slide8.xml><?xml version="1.0" encoding="utf-8"?>
-<p:sld xmlns:a="http://schemas.openxmlformats.org/drawingml/2006/main" xmlns:r="http://schemas.openxmlformats.org/officeDocument/2006/relationships" xmlns:p="http://schemas.openxmlformats.org/presentationml/2006/main">
+<p:sld xmlns:a="http://schemas.openxmlformats.org/drawingml/2006/main" xmlns:r="http://schemas.openxmlformats.org/officeDocument/2006/relationships" xmlns:p="http://schemas.openxmlformats.org/presentationml/2006/main" show="0">
   <p:cSld>
     <p:spTree>
       <p:nvGrpSpPr>
@@ -25066,6 +25099,14 @@
   <p:clrMapOvr>
     <a:masterClrMapping/>
   </p:clrMapOvr>
+  <mc:AlternateContent xmlns:mc="http://schemas.openxmlformats.org/markup-compatibility/2006">
+    <mc:Choice xmlns:p14="http://schemas.microsoft.com/office/powerpoint/2010/main" Requires="p14">
+      <p:transition spd="slow" p14:dur="2000"/>
+    </mc:Choice>
+    <mc:Fallback>
+      <p:transition spd="slow"/>
+    </mc:Fallback>
+  </mc:AlternateContent>
 </p:sld>
 </file>
 
@@ -25237,7 +25278,11 @@
                             </m:r>
                             <m:r>
                               <a:rPr lang="en-US" i="1"/>
-                              <m:t>+1</m:t>
+                              <m:t>+</m:t>
+                            </m:r>
+                            <m:r>
+                              <a:rPr lang="en-US" i="1"/>
+                              <m:t>1</m:t>
                             </m:r>
                           </m:e>
                         </m:d>
@@ -25279,7 +25324,15 @@
                             </m:r>
                             <m:r>
                               <a:rPr lang="en-US" i="1"/>
-                              <m:t>+1) + </m:t>
+                              <m:t>+</m:t>
+                            </m:r>
+                            <m:r>
+                              <a:rPr lang="en-US" i="1"/>
+                              <m:t>1</m:t>
+                            </m:r>
+                            <m:r>
+                              <a:rPr lang="en-US" i="1"/>
+                              <m:t>) + </m:t>
                             </m:r>
                             <m:func>
                               <m:funcPr>
@@ -25314,7 +25367,11 @@
                                     </m:r>
                                     <m:r>
                                       <a:rPr lang="en-US" i="1"/>
-                                      <m:t>+1</m:t>
+                                      <m:t>+</m:t>
+                                    </m:r>
+                                    <m:r>
+                                      <a:rPr lang="en-US" i="1"/>
+                                      <m:t>1</m:t>
                                     </m:r>
                                   </m:e>
                                 </m:d>
@@ -25354,20 +25411,20 @@
                       <m:accPr>
                         <m:chr m:val="̃"/>
                         <m:ctrlPr>
-                          <a:rPr lang="en-US" sz="2600" i="1">
+                          <a:rPr lang="en-US" sz="2800" i="1">
                             <a:latin typeface="Cambria Math" charset="0"/>
                           </a:rPr>
                         </m:ctrlPr>
                       </m:accPr>
                       <m:e>
                         <m:r>
-                          <a:rPr lang="en-US" sz="2600" i="1">
+                          <a:rPr lang="en-US" sz="2800" i="1">
                             <a:latin typeface="Cambria Math" charset="0"/>
                           </a:rPr>
                           <m:t>𝑃</m:t>
                         </m:r>
                         <m:r>
-                          <a:rPr lang="en-US" sz="2600" i="1">
+                          <a:rPr lang="en-US" sz="2800" i="1">
                             <a:latin typeface="Cambria Math" charset="0"/>
                           </a:rPr>
                           <m:t>1</m:t>
@@ -25375,7 +25432,7 @@
                       </m:e>
                     </m:acc>
                     <m:r>
-                      <a:rPr lang="en-US" sz="2600" i="1">
+                      <a:rPr lang="en-US" sz="2800" i="1">
                         <a:latin typeface="Cambria Math" charset="0"/>
                       </a:rPr>
                       <m:t>≡</m:t>
@@ -25383,7 +25440,7 @@
                     <m:func>
                       <m:funcPr>
                         <m:ctrlPr>
-                          <a:rPr lang="en-US" sz="2600" i="1">
+                          <a:rPr lang="en-US" sz="2800" i="1">
                             <a:latin typeface="Cambria Math" charset="0"/>
                           </a:rPr>
                         </m:ctrlPr>
@@ -25393,13 +25450,13 @@
                           <m:rPr>
                             <m:sty m:val="p"/>
                           </m:rPr>
-                          <a:rPr lang="en-US" sz="2600">
+                          <a:rPr lang="en-US" sz="2800">
                             <a:latin typeface="Cambria Math" charset="0"/>
                           </a:rPr>
                           <m:t>exp</m:t>
                         </m:r>
                         <m:r>
-                          <a:rPr lang="en-US" sz="2600" i="1">
+                          <a:rPr lang="en-US" sz="2800" i="1">
                             <a:latin typeface="Cambria Math" charset="0"/>
                           </a:rPr>
                           <m:t> </m:t>
@@ -25407,7 +25464,7 @@
                       </m:fName>
                       <m:e>
                         <m:r>
-                          <a:rPr lang="en-US" sz="2600" i="1">
+                          <a:rPr lang="en-US" sz="2800" i="1">
                             <a:latin typeface="Cambria Math" charset="0"/>
                           </a:rPr>
                           <m:t>.</m:t>
@@ -25415,20 +25472,20 @@
                         <m:d>
                           <m:dPr>
                             <m:ctrlPr>
-                              <a:rPr lang="en-US" sz="2600" i="1">
+                              <a:rPr lang="en-US" sz="2800" i="1">
                                 <a:latin typeface="Cambria Math" charset="0"/>
                               </a:rPr>
                             </m:ctrlPr>
                           </m:dPr>
                           <m:e>
                             <m:r>
-                              <a:rPr lang="en-US" sz="2600" i="1">
+                              <a:rPr lang="en-US" sz="2800" i="1">
                                 <a:latin typeface="Cambria Math" charset="0"/>
                               </a:rPr>
                               <m:t>𝑃</m:t>
                             </m:r>
                             <m:r>
-                              <a:rPr lang="en-US" sz="2600" i="1">
+                              <a:rPr lang="en-US" sz="2800" i="1">
                                 <a:latin typeface="Cambria Math" charset="0"/>
                               </a:rPr>
                               <m:t>1</m:t>
@@ -25436,10 +25493,16 @@
                           </m:e>
                         </m:d>
                         <m:r>
-                          <a:rPr lang="en-US" sz="2600" i="1">
+                          <a:rPr lang="en-US" sz="2800" i="1">
                             <a:latin typeface="Cambria Math" charset="0"/>
                           </a:rPr>
-                          <m:t>−1</m:t>
+                          <m:t>−</m:t>
+                        </m:r>
+                        <m:r>
+                          <a:rPr lang="en-US" sz="2800" i="1">
+                            <a:latin typeface="Cambria Math" charset="0"/>
+                          </a:rPr>
+                          <m:t>1</m:t>
                         </m:r>
                       </m:e>
                     </m:func>
@@ -25523,7 +25586,11 @@
                             </m:r>
                             <m:r>
                               <a:rPr lang="en-US" sz="2800" i="1"/>
-                              <m:t>+1</m:t>
+                              <m:t>+</m:t>
+                            </m:r>
+                            <m:r>
+                              <a:rPr lang="en-US" sz="2800" i="1"/>
+                              <m:t>1</m:t>
                             </m:r>
                           </m:e>
                         </m:d>
@@ -25618,7 +25685,13 @@
                           <a:rPr lang="en-US" sz="2800" i="1">
                             <a:latin typeface="Cambria Math" charset="0"/>
                           </a:rPr>
-                          <m:t>−1</m:t>
+                          <m:t>−</m:t>
+                        </m:r>
+                        <m:r>
+                          <a:rPr lang="en-US" sz="2800" i="1">
+                            <a:latin typeface="Cambria Math" charset="0"/>
+                          </a:rPr>
+                          <m:t>1</m:t>
                         </m:r>
                       </m:e>
                     </m:func>
@@ -25668,7 +25741,13 @@
                         <a:rPr lang="en-US" sz="3500">
                           <a:latin typeface="Cambria Math" panose="02040503050406030204" pitchFamily="18" charset="0"/>
                         </a:rPr>
-                        <m:t>.7</m:t>
+                        <m:t>.</m:t>
+                      </m:r>
+                      <m:r>
+                        <a:rPr lang="en-US" sz="3500">
+                          <a:latin typeface="Cambria Math" panose="02040503050406030204" pitchFamily="18" charset="0"/>
+                        </a:rPr>
+                        <m:t>7</m:t>
                       </m:r>
                       <m:r>
                         <a:rPr lang="en-US" sz="3500" b="0" i="1" smtClean="0">
@@ -25716,13 +25795,43 @@
                         <a:rPr lang="en-US" sz="3500" i="1">
                           <a:latin typeface="Cambria Math" panose="02040503050406030204" pitchFamily="18" charset="0"/>
                         </a:rPr>
-                        <m:t>.3∗</m:t>
+                        <m:t>.</m:t>
+                      </m:r>
+                      <m:r>
+                        <a:rPr lang="en-US" sz="3500" i="1">
+                          <a:latin typeface="Cambria Math" panose="02040503050406030204" pitchFamily="18" charset="0"/>
+                        </a:rPr>
+                        <m:t>3</m:t>
+                      </m:r>
+                      <m:r>
+                        <a:rPr lang="en-US" sz="3500" i="1">
+                          <a:latin typeface="Cambria Math" panose="02040503050406030204" pitchFamily="18" charset="0"/>
+                        </a:rPr>
+                        <m:t>∗(</m:t>
                       </m:r>
                       <m:r>
                         <a:rPr lang="en-US" sz="3500" b="0" i="1" smtClean="0">
                           <a:latin typeface="Cambria Math" charset="0"/>
                         </a:rPr>
-                        <m:t>(1.1∗</m:t>
+                        <m:t>1</m:t>
+                      </m:r>
+                      <m:r>
+                        <a:rPr lang="en-US" sz="3500" b="0" i="1" smtClean="0">
+                          <a:latin typeface="Cambria Math" charset="0"/>
+                        </a:rPr>
+                        <m:t>.</m:t>
+                      </m:r>
+                      <m:r>
+                        <a:rPr lang="en-US" sz="3500" b="0" i="1" smtClean="0">
+                          <a:latin typeface="Cambria Math" charset="0"/>
+                        </a:rPr>
+                        <m:t>1</m:t>
+                      </m:r>
+                      <m:r>
+                        <a:rPr lang="en-US" sz="3500" b="0" i="1" smtClean="0">
+                          <a:latin typeface="Cambria Math" charset="0"/>
+                        </a:rPr>
+                        <m:t>∗</m:t>
                       </m:r>
                       <m:acc>
                         <m:accPr>
